--- a/Documentos/Plantilla-primera-entrega-proyecto.pptx
+++ b/Documentos/Plantilla-primera-entrega-proyecto.pptx
@@ -5,14 +5,15 @@
     <p:sldMasterId id="2147483648" r:id="rId1"/>
   </p:sldMasterIdLst>
   <p:notesMasterIdLst>
-    <p:notesMasterId r:id="rId7"/>
+    <p:notesMasterId r:id="rId8"/>
   </p:notesMasterIdLst>
   <p:sldIdLst>
     <p:sldId id="265" r:id="rId2"/>
-    <p:sldId id="336" r:id="rId3"/>
-    <p:sldId id="368" r:id="rId4"/>
-    <p:sldId id="369" r:id="rId5"/>
-    <p:sldId id="371" r:id="rId6"/>
+    <p:sldId id="368" r:id="rId3"/>
+    <p:sldId id="336" r:id="rId4"/>
+    <p:sldId id="372" r:id="rId5"/>
+    <p:sldId id="369" r:id="rId6"/>
+    <p:sldId id="371" r:id="rId7"/>
   </p:sldIdLst>
   <p:sldSz cx="9144000" cy="6858000" type="screen4x3"/>
   <p:notesSz cx="6858000" cy="9144000"/>
@@ -130,6 +131,114 @@
 </p:presentation>
 </file>
 
+<file path=ppt/ink/ink1.xml><?xml version="1.0" encoding="utf-8"?>
+<inkml:ink xmlns:inkml="http://www.w3.org/2003/InkML">
+  <inkml:definitions>
+    <inkml:context xml:id="ctx0">
+      <inkml:inkSource xml:id="inkSrc0">
+        <inkml:traceFormat>
+          <inkml:channel name="X" type="integer" min="-2.14748E9" max="2.14748E9" units="cm"/>
+          <inkml:channel name="Y" type="integer" min="-2.14748E9" max="2.14748E9" units="cm"/>
+        </inkml:traceFormat>
+        <inkml:channelProperties>
+          <inkml:channelProperty channel="X" name="resolution" value="1000" units="1/cm"/>
+          <inkml:channelProperty channel="Y" name="resolution" value="1000" units="1/cm"/>
+        </inkml:channelProperties>
+      </inkml:inkSource>
+      <inkml:timestamp xml:id="ts0" timeString="2020-10-19T00:36:37.910"/>
+    </inkml:context>
+    <inkml:brush xml:id="br0">
+      <inkml:brushProperty name="width" value="0.05" units="cm"/>
+      <inkml:brushProperty name="height" value="0.05" units="cm"/>
+      <inkml:brushProperty name="color" value="#FFFFFF"/>
+      <inkml:brushProperty name="ignorePressure" value="1"/>
+    </inkml:brush>
+  </inkml:definitions>
+  <inkml:trace contextRef="#ctx0" brushRef="#br0">2468 1,'-22'545,"17"-232,-1-260,-2-2,-2 1,-2-2,-28 74,15-50,12-40,-2 0,-1-1,-2-1,-1-1,-1 0,-2-2,-28 31,38-49,0-1,-1 0,1-1,-2 0,0-1,-19 9,14-8,0 1,-32 24,32-21,0 0,0-2,-1 0,-1-1,1-1,-2-1,1-1,-1-1,0-1,0-1,-1-1,1 0,-46-3,-76-24,17 23,87 3,0-2,-1-2,1-2,-75-16,77 9,-99-24,85 27,30 5,-1-1,1 0,-28-10,19 4,-50-9,53 14,-1-2,-45-17,51 15,5 2,1 0,-1-1,1-1,0 0,1-1,0-1,1-1,0 0,-16-17,30 27,-24-26,1-1,-29-48,5 4,37 60,1 0,0-1,1-1,1 0,1 0,0 0,0-1,2 0,0 0,-5-29,9 28,-1 1,-1-1,-1 0,0 1,-12-28,12 32,0-1,0 0,2 0,-1 0,2 0,-1 0,2 0,0 0,0 0,2-1,3-19,-4 27,1 0,-1 0,1 1,0-1,0 1,1-1,-1 1,1 0,0 0,1 0,-1 0,1 1,0 0,0-1,1 1,-1 1,1-1,0 1,0-1,0 1,0 1,0-1,1 1,-1 0,1 0,0 0,10 0,61-9,-33 5,56-2,-78 8</inkml:trace>
+</inkml:ink>
+</file>
+
+<file path=ppt/ink/ink2.xml><?xml version="1.0" encoding="utf-8"?>
+<inkml:ink xmlns:inkml="http://www.w3.org/2003/InkML">
+  <inkml:definitions>
+    <inkml:context xml:id="ctx0">
+      <inkml:inkSource xml:id="inkSrc0">
+        <inkml:traceFormat>
+          <inkml:channel name="X" type="integer" min="-2.14748E9" max="2.14748E9" units="cm"/>
+          <inkml:channel name="Y" type="integer" min="-2.14748E9" max="2.14748E9" units="cm"/>
+        </inkml:traceFormat>
+        <inkml:channelProperties>
+          <inkml:channelProperty channel="X" name="resolution" value="1000" units="1/cm"/>
+          <inkml:channelProperty channel="Y" name="resolution" value="1000" units="1/cm"/>
+        </inkml:channelProperties>
+      </inkml:inkSource>
+      <inkml:timestamp xml:id="ts0" timeString="2020-10-19T00:36:43.499"/>
+    </inkml:context>
+    <inkml:brush xml:id="br0">
+      <inkml:brushProperty name="width" value="0.05" units="cm"/>
+      <inkml:brushProperty name="height" value="0.05" units="cm"/>
+      <inkml:brushProperty name="color" value="#FFFFFF"/>
+      <inkml:brushProperty name="ignorePressure" value="1"/>
+    </inkml:brush>
+  </inkml:definitions>
+  <inkml:trace contextRef="#ctx0" brushRef="#br0">641 412,'-4'1,"0"-1,0 1,0 1,0-1,1 0,-1 1,0 0,1 0,-1 0,1 0,0 1,0-1,0 1,-5 5,-39 48,44-52,-57 86,-16 21,39-60,31-40,-1-1,0 0,-1-1,1 0,-2 0,1 0,-1-1,-15 10,-10 5,-41 36,30-22,31-25,8-6,-2 0,1-1,0 1,-1-1,-14 6,21-10,0-1,0 1,-1-1,1 0,0 1,-1-1,1 0,0 0,0 0,-1 0,1 0,0 0,-1-1,1 1,0 0,0-1,-1 1,1-1,-1 0,0 0,1 0,-1-1,1 1,0-1,0 0,-1 1,1-1,0 0,0 1,1-1,-1 0,0 0,1 0,-1 0,1 0,-1-3,-1-12,0 0,1 0,1 0,0 0,2-1,0 1,0 0,2 0,9-27,-3 17,0 2,2-1,1 1,1 1,21-27,7-8,-18 25,0 1,57-57,47-37,-114 111,-9 9,1 0,0 0,0 1,11-10,-16 15,0 1,0-1,-1 1,1-1,0 1,0-1,0 1,0 0,0-1,0 1,0 0,0 0,0 0,0-1,0 1,0 0,0 0,0 0,0 1,-1-1,1 0,0 0,0 1,0-1,0 0,0 1,0-1,0 1,0-1,0 1,-1-1,1 1,0 0,0-1,-1 1,1 0,-1-1,1 1,0 0,-1 0,1 0,-1 0,0 0,1 0,-1 0,0-1,0 1,1 2,6 20,0 0,-2 1,0 0,-2 0,-1 0,0 0,-2 0,-5 39,4-53,-2 0,1 0,-1 0,-1-1,0 1,0-1,-1 0,-10 15,1-3,-2-1,-24 24,39-43,0 0,0 0,0 0,0 0,0 0,0 0,0 0,0-1,-1 1,1 0,0-1,0 1,-1-1,1 1,-2-1,2 0,1 0,-1 0,1 0,-1 0,1 0,-1-1,1 1,0 0,-1 0,1-1,0 1,-1 0,1-1,0 1,-1 0,1-1,0 1,-1 0,1-1,0 1,0-1,0 1,0-1,-1 1,1 0,0-1,0 1,0-1,0 0,-1-4,1 0,0-1,0 1,1 0,-1 0,3-8,-1 3,0 0,1 0,1 0,0 0,0 1,1-1,0 1,0 0,1 1,0-1,12-11,-18 20,0 0,0 0,0 0,0 0,0 0,1 0,-1 0,0-1,0 1,0 0,0 0,1 0,-1 0,0 0,0 0,0 0,1 0,-1 0,0 0,0 0,0 0,0 0,1 0,-1 0,0 1,0-1,0 0,1 0,-1 0,0 0,0 0,0 0,0 0,0 0,1 1,-1-1,0 0,0 0,0 0,0 0,0 0,0 1,0-1,1 0,2 14,-1 15,-2-28,0 17,0 1,-1-1,-1 1,-1-1,-1 0,0 1,-1-2,-1 1,-1-1,0 0,-16 25,11-20,-17 46,22-49,0-1,-2 0,0-1,-11 17,19-33,1-1,0 1,0-1,0 0,0 1,-1-1,1 1,0-1,0 0,-1 1,1-1,0 0,-1 1,1-1,0 0,-1 0,1 1,-1-1,1 0,0 0,-1 0,1 1,-1-1,1 0,0 0,-1 0,1 0,-1 0,0 0,0-12,7-23,-5 34,35-109,-17 60,-9 20,-6 15,2-1,-1 1,2 0,16-26,-9 19,15-35,5-8,-25 49,14-22,-22 36,1 0,-1 0,0 0,1 0,-1 1,1-1,0 1,-1-1,1 1,0 0,0 0,0 0,0 0,3-2,-4 4,0-1,0 0,0 0,0 1,-1-1,1 1,0-1,0 0,0 1,-1 0,1-1,0 1,-1-1,1 1,0 0,-1 0,1-1,-1 1,1 0,-1 0,0-1,1 1,-1 0,0 0,1 0,-1 0,0 0,0 0,0 0,0-1,0 1,0 2,2 36,-2-35,-1 19,-1 0,-2 0,0 0,-12 36,-12 6,9-27,5-7,1-1,0 1,-7 32,10-39,6-26,1-15,4 4,0 1,1-1,1 1,0-1,0 1,1 0,1 1,0-1,1 1,10-17,19-45,-32 65,16-37,-18 42,1 0,-1 1,1-1,-1 1,1 0,0-1,0 1,0 0,0 0,1 0,-1 1,0-1,5-2,-6 4,-1 0,1 0,-1 0,1 0,-1 0,1 0,-1 0,1 1,-1-1,1 0,-1 0,1 0,-1 1,1-1,-1 0,0 1,1-1,-1 0,1 1,-1-1,0 0,0 1,1-1,-1 1,0-1,0 1,1-1,-1 0,0 1,0-1,0 1,0-1,0 1,1-1,-1 1,0-1,0 1,0-1,-1 2,3 24,-2-24,1 19,-3 81,2-92,-2 0,1 0,-1 0,-1 0,0 0,0 0,-7 13,10-22,0-1,0 0,0 0,0 1,0-1,-1 0,1 0,0 1,0-1,0 0,0 0,0 1,0-1,0 0,-1 0,1 0,0 1,0-1,0 0,0 0,-1 0,1 0,0 1,0-1,0 0,-1 0,1 0,0 0,0 0,-1 0,1 0,0 0,0 0,-1 0,1 0,0 1,0-2,-1 1,1 0,0 0,0 0,-1 0,1 0,0 0,0 0,-1 0,1 0,0 0,0 0,-1-1,1 1,0 0,-6-19,1-23,5 9,2-131,0 153,0 1,0 0,1 0,0 0,1 0,0 1,0 0,10-14,-13 26,0 0,0 0,0 1,-1-1,1 0,-1 1,0-1,0 5,0-1,1 0,-1-1,0 1,0-1,-1 1,0 0,0-1,0 0,-1 1,0-1,-5 11,3-19,2-9,-1-12,8-3,1-1,1 1,1 1,1-1,20-38,64-131,-87 185,-2 9,0 20,-5 34,-2-37,0 0,-2 0,0 0,-1 0,-1-1,-10 19,-5 11,20-39,0-1,-1 1,0-1,-1 0,1 1,-1-1,0-1,0 1,-1-1,1 1,-8 4,11-9,1 0,-1 0,1-1,-1 1,1 0,-1-1,1 1,0 0,-1-1,1 1,-1-1,1 1,0 0,-1-1,1 1,0-1,0 1,-1-1,1 1,0-1,0 0,0 1,-1-1,1 1,0-1,0 1,0-1,0 0,-5-27,4 20,-5-27,-1-44,3 28,4 50,1-1,-2 1,1 0,0-1,0 1,0 0,-1 0,1-1,0 1,-1 0,0 0,1 0,-1-1,1 1,-1 0,0 0,-1-1,1 2,1 0,-1 1,0-1,1 0,-1 1,1-1,-1 1,1-1,-1 1,1-1,-1 1,1-1,-1 1,1-1,0 1,-1 0,1-1,0 1,-1-1,1 1,0 0,0 0,0-1,0 1,0 0,0-1,0 1,0 0,0-1,0 1,0 0,0 0,-2 226,1-252,0 11,0 0,2 0,2-22,-3 34,0 0,0 0,0 0,1 0,-1 0,1 0,0 0,-1 1,1-1,0 0,0 0,0 1,0-1,0 1,1-1,-1 1,0-1,1 1,-1 0,1 0,-1 0,1 0,0 0,-1 0,1 0,0 0,0 0,0 1,0-1,0 1,-1 0,3-1,-2 1,0 0,-1 0,1 0,-1 1,1-1,0 0,-1 1,1-1,-1 1,1-1,-1 1,0 0,1 0,-1-1,0 1,1 0,-1 0,0 0,0 1,0-1,0 0,2 2,-2 0,1 1,0-1,-1 0,0 1,0-1,0 1,0-1,-1 1,1 6,0-3,-1 0,-1 0,1 0,-1-1,0 1,-1 0,0 0,0-1,0 1,-5 8,3-8,-21 26,24-33,1 0,0 0,0 1,-1-1,1 0,0 0,-1 1,1-1,0 0,-1 0,1 0,0 0,-1 0,1 0,0 0,-1 0,1 0,0 0,-1 0,1 0,-1 0,1 0,0 0,-1 0,1 0,0 0,-1 0,1 0,0 0,-1-1,1 1,-1 0,-6-22,4-30,4-83,1 43,-2 83,1 1,0-1,0 1,5-14,-6 20,1 0,-1 0,1 0,0 0,-1 0,1 1,0-1,0 0,0 1,0-1,0 0,1 1,-1-1,0 1,1 0,-1-1,1 1,-1 0,1 0,0 0,0 0,-1 0,1 0,0 1,0-1,2 0,-3 1,0 1,0-1,0 1,0-1,0 1,0-1,0 1,-1-1,1 1,0 0,0-1,-1 1,1 0,0 0,-1 0,1 0,-1 0,1-1,-1 1,1 0,-1 0,1 0,-1 0,0 0,0 0,0 0,1 1,-1-1,0 1,2 37,-2-34,0 19,-2 119,0-127,0-1,-1 0,0 1,-1-1,-1 0,-1-1,-6 15,11-28,1 0,-1 0,1 0,-1 0,1 0,-1 0,1-1,-1 1,0 0,0 0,1 0,-1-1,0 1,0 0,0-1,0 1,-2 0,3-1,-1 0,1 0,-1 0,1 0,-1-1,1 1,0 0,-1 0,1-1,-1 1,1 0,-1-1,1 1,0 0,-1-1,1 1,0 0,-1-1,1 1,0-1,0 1,0-1,-1 1,1-1,0 1,0-1,-10-48,8 34,-12-72,13 78,0-1,1 1,0-1,1 0,0 1,4-19,-5 28,0 0,0-1,0 1,0-1,0 1,1 0,-1-1,0 1,0 0,0-1,0 1,0 0,0-1,0 1,1 0,-1 0,0-1,0 1,0 0,1 0,-1-1,0 1,0 0,1 0,-1-1,0 1,1 0,-1 0,0 0,1 0,-1-1,0 1,1 0,-1 0,1 0,4 12,0 21,-4 160,-1-139,0-292,0 238,0 0,0 0,0 0,0 0,0 0,0 0,0 0,0 0,0 0,0 1,0-1,0 0,1 0,-1 0,0 0,0 0,0 0,0 0,0 0,0 0,0 0,0 0,0 0,0 0,0 0,0 0,0 0,0 0,0 0,0 0,0 0,1 0,-1 0,0-1,0 1,0 0,0 0,0 0,0 0,0 0,0 0,0 0,0 0,0 0,0 0,0 0,0 0,0 0,0 0,0 0,5 10,4 14,-8-15,0-1,0 1,-1 0,-1-1,1 1,-1-1,-1 1,0-1,0 1,0-1,-1 0,0 0,-1 0,0 0,0 0,-8 10,11-17,0 0,1 0,-1-1,0 1,1 0,-1-1,0 1,0 0,1-1,-1 1,0-1,0 1,0-1,0 1,0-1,0 0,0 1,0-1,0 0,0 0,0 0,0 0,0 0,0 0,0 0,0 0,0 0,0 0,0-1,-1 1,0-2,-1 1,1-1,0 0,0 0,0 0,0 0,0 0,0 0,1 0,-1-1,-1-2,-3-8,-1 1,2-2,-6-19,7 19,-16-72,19 78,0 0,0 0,1 0,0-1,1 1,-1 0,1 0,3-11,-4 19,0 0,0 0,0 0,0-1,0 1,0 0,0 0,0 0,0 0,0-1,0 1,0 0,0 0,0 0,0-1,0 1,0 0,0 0,0 0,0 0,1-1,-1 1,0 0,0 0,0 0,0 0,0 0,0-1,0 1,1 0,-1 0,0 0,0 0,0 0,0 0,0 0,1 0,-1-1,0 1,0 0,0 0,1 0,-1 0,0 0,0 0,0 0,0 0,1 0,-1 0,0 0,0 0,0 0,0 0,1 0,-1 1,0-1,0 0,0 0,0 0,1 0,4 16,1 22,7 96,-12-132,-1-1,0 1,1-1,-1 1,0-1,0 1,0-1,0 1,-1-1,1 0,0 1,-1-1,1 1,-1-1,1 1,-1-1,0 0,1 1,-1-1,0 0,0 0,0 0,0 0,0 0,0 0,0 0,0 0,0 0,-1 0,1 0,0-1,-1 1,1 0,0-1,-1 1,1-1,-1 0,1 1,-1-1,1 0,-1 0,1 0,-1 0,1 0,-1 0,1-1,-1 1,1 0,-3-2,-3 1,0-1,0 0,0-1,1 0,-1 0,1 0,0 0,0-1,-8-6,9 5,1 0,-1 0,1 0,0-1,-6-11,10 16,-1 0,1 1,-1-1,0 0,1 0,0 0,-1 0,1 0,0 0,-1 0,1-1,0 1,0 0,0 0,0 0,0 0,0 0,0 0,0 0,1 0,-1 0,0 0,1 0,-1 0,0 0,1 0,-1 0,1 0,0 0,-1 0,1 0,0 1,0-1,-1 0,1 0,0 1,0-1,0 0,0 1,0-1,0 1,0 0,2-1,-1 0,1 1,-1 0,0 0,1 0,-1 1,1-1,-1 1,0-1,1 1,-1 0,0 0,1 0,-1 0,0 0,0 0,0 1,0-1,0 1,0-1,-1 1,1 0,0 0,-1 0,1 0,1 3,4 6,1 0,-1 1,6 13,-2 8,0 1,-2-1,-2 2,5 45,-11-70,2 6,-1 0,0-1,-1 1,-1 0,-1 0,0 0,-4 17,5-33,0 0,0 0,0 0,0 1,0-1,0 0,0 0,0 0,0 1,0-1,0 0,0 0,0 1,0-1,0 0,0 0,0 0,0 1,0-1,0 0,0 0,0 0,-1 1,1-1,0 0,0 0,0 0,0 1,-1-1,1 0,0 0,0 0,0 0,0 0,-1 0,1 1,0-1,0 0,-1 0,1 0,0 0,0 0,0 0,-1 0,1 0,0 0,0 0,-1 0,1 0,0 0,0 0,0 0,-1 0,1 0,0-1,0 1,-1 0,-5-17,1-26,4 4,6-54,-3 79,0 0,1 1,0-1,1 1,1 0,0 0,10-18,-15 30,0 1,1-1,-1 0,0 0,1 1,-1-1,1 0,-1 0,1 1,-1-1,1 1,0-1,-1 1,1-1,0 1,-1-1,1 1,0-1,0 1,-1 0,1-1,0 1,0 0,0 0,-1 0,2-1,-1 2,0-1,0 1,0-1,0 1,-1 0,1-1,0 1,0 0,-1 0,1-1,0 1,-1 0,1 0,-1 0,1 0,-1 0,1 1,11 44,-9 9,-6 69,1-69,5 65,-3-119,0 0,0 0,0 0,0 0,0 0,0 0,0 0,0 0,0 0,1 0,-1 0,0 0,1 0,-1 0,1 0,-1 0,1 0,0 0,-1-1,1 1,0 0,0 0,0-1,0-1,0 1,-1-1,1 0,0 1,0-1,-1 0,1 0,-1 1,1-1,-1 0,1 0,-1 0,1 0,-1 0,0 0,1 0,-1 0,0 0,0 0,0-1,9-35,-3 0,3-43,1 16,0-21,12-63,-23 143,1-1,1 1,-1-1,1 1,0-1,0 1,1-1,-1 1,5-9,-4 17,-1 0,0 0,0 0,0 1,0-1,-1 0,1 0,-1 1,0 4,1 8,-1 0,-1 0,0 0,-1 0,-1 0,0-1,-1 1,-1-1,-1 0,0 0,-14 24,20-38,-1 0,1 0,0-1,-1 1,1 0,-1 0,1-1,-1 1,1-1,-1 1,1 0,-1-1,1 1,-1-1,0 1,1-1,-1 0,0 1,0-1,1 0,-1 1,0-1,0 0,1 0,-1 0,0 0,0 0,0 0,1 0,-1 0,0 0,0 0,-1 0,0-2,1 1,-1 0,1-1,-1 1,1-1,0 0,0 1,0-1,0 0,0 0,0 0,-1-3,-2-7,1-1,0 1,-2-20,2-309,5 176,5 125,-7 39,1 1,-1-1,0 1,0-1,0 0,1 1,-1-1,0 1,1-1,-1 1,1-1,-1 1,1-1,-1 1,0 0,1-1,0 1,-1 0,1-1,-1 1,1 0,0-1,0 1,0 1,0-1,0 0,0 1,0-1,-1 1,1-1,0 1,0-1,-1 1,1-1,0 1,0 0,-1-1,1 1,-1 0,1 0,-1-1,1 1,0 2,7 10,-1 0,0 1,-1 0,-1 0,0 1,0 0,-2 0,0 0,-1 0,0 0,-1 0,-1 20,0 51,-3 62,3-141,-1 1,0-1,-1 0,1 0,-6 12,7-20,0 1,0 0,0 0,0 0,0 0,0 0,0 0,0 0,0 0,0 0,0 0,0 0,0 0,0-1,0 1,0 0,-1 0,1 0,0 0,0 0,0 0,0 0,0 0,0 0,0 0,0 0,0 0,0 0,0 0,0 0,-1 0,1 0,0 0,0 0,0 0,0 0,0 0,0 0,0 0,0 0,0 0,0 0,0 0,0 0,-1 0,1 0,0 0,0 0,0 0,0 0,0 0,0 0,0 0,0 0,0 1,0-1,0 0,0 0,0 0,0 0,0 0,0 0,0 0,0 0,0 0,0 0,-3-11,0-15,2 0,3-138,-2 163,0 0,0 0,0 0,0-1,0 1,1 0,-1 0,0 0,1 0,-1 0,0-1,1 1,-1 0,1 0,0 0,-1 0,1 0,0 1,1-3,-1 4,-1-1,1 1,0-1,-1 0,1 1,0-1,-1 1,1-1,-1 1,1-1,-1 1,1 0,-1-1,0 1,1 0,-1-1,0 1,1 0,-1-1,0 1,0 0,0 0,0-1,0 1,0 0,0 0,0-1,0 1,0 0,0 1,5 51,5 34,1-35,7 78,-17-112</inkml:trace>
+</inkml:ink>
+</file>
+
+<file path=ppt/ink/ink3.xml><?xml version="1.0" encoding="utf-8"?>
+<inkml:ink xmlns:inkml="http://www.w3.org/2003/InkML">
+  <inkml:definitions>
+    <inkml:context xml:id="ctx0">
+      <inkml:inkSource xml:id="inkSrc0">
+        <inkml:traceFormat>
+          <inkml:channel name="X" type="integer" min="-2.14748E9" max="2.14748E9" units="cm"/>
+          <inkml:channel name="Y" type="integer" min="-2.14748E9" max="2.14748E9" units="cm"/>
+        </inkml:traceFormat>
+        <inkml:channelProperties>
+          <inkml:channelProperty channel="X" name="resolution" value="1000" units="1/cm"/>
+          <inkml:channelProperty channel="Y" name="resolution" value="1000" units="1/cm"/>
+        </inkml:channelProperties>
+      </inkml:inkSource>
+      <inkml:timestamp xml:id="ts0" timeString="2020-10-19T00:36:45.871"/>
+    </inkml:context>
+    <inkml:brush xml:id="br0">
+      <inkml:brushProperty name="width" value="0.05" units="cm"/>
+      <inkml:brushProperty name="height" value="0.05" units="cm"/>
+      <inkml:brushProperty name="color" value="#FFFFFF"/>
+      <inkml:brushProperty name="ignorePressure" value="1"/>
+    </inkml:brush>
+  </inkml:definitions>
+  <inkml:trace contextRef="#ctx0" brushRef="#br0">130 471,'16'-45,"-10"14,2-8,-2 0,2-63,-7 66,0 25,0 0,-1 0,-1-1,1 1,-4-14,-9 61,-8 133,17-138,1-1,3 46,-2 19,1-82,-2-1,0 1,0-1,-7 15,5-15,1 1,0 0,-3 20,-16 115,12-100,4-29,5-16,1-5,-9-114,-1-28,11 132,0-45,-12-95,6 114,2 0,2 0,5-72,-2 104,0-1,0 0,1 0,0 1,0-1,0 0,4-6,-5 13,-1 0,0-1,0 1,0 0,0 0,0 0,0-1,0 1,1 0,-1 0,0 0,0-1,0 1,0 0,1 0,-1 0,0 0,0 0,1-1,-1 1,0 0,0 0,1 0,-1 0,0 0,0 0,1 0,-1 0,0 0,0 0,1 0,-1 0,0 0,0 0,1 0,-1 0,0 0,7 10,0 16,0 68,3 14,0 2,1 7,-7-85,-2 0,-2 55,-2-60,2 1,1-1,1 0,7 33,-9-59,0-1,0 1,0 0,0-1,0 1,0-1,0 1,0 0,0-1,0 1,1-1,-1 1,0 0,0-1,1 1,-1-1,0 1,0-1,1 1,-1-1,1 1,-1-1,0 1,1-1,-1 0,1 1,-1-1,1 0,0 1,3-20,-2-35,-2 29,0-1,2 1,8-42,-5 36,-1-1,1-51,2-27,-2 14,-5 74,1-1,0 1,9-37,-1 40,-8 19,-1 0,0 0,0 0,1-1,-1 1,0 0,1 0,-1 0,0 0,1 0,-1 0,0 0,0 0,1 0,-1 0,0 0,1 0,-1 0,0 0,1 0,-1 1,0-1,0 0,1 0,-1 0,0 0,1 0,-1 1,0-1,0 0,0 0,1 1,-1-1,0 0,2 3,0-1,-1 1,0-1,1 1,-1 0,0 0,0-1,-1 1,1 0,0 4,4 65,-6 102,-2-58,3 7,-16-175,5-8,5 37,2-1,-2-44,-6-68,3 60,0 5,4 37,-1-52,6 13,0 44,0 22,0 10,0 296,-3-281,3-17,0-1,0 0,0 0,-1 0,1 0,0 0,0 0,0 0,-1 0,1 0,0 0,0 0,0 1,-1-1,1 0,0-1,0 1,-1 0,1 0,0 0,0 0,0 0,-1 0,1 0,0 0,0 0,0 0,-1 0,1 0,0-1,0 1,0 0,0 0,-1 0,1 0,0-1,0 1,0 0,0 0,0-1,-22-34,5 8,16 27,1 0,0 0,0-1,-1 1,1 0,0 0,-1 0,1 0,0 0,-1 0,1 0,0 0,0 0,-1 0,1 0,0 0,-1 1,1-1,0 0,-1 0,1 0,0 0,0 0,-1 1,1-1,0 0,0 0,0 0,-1 1,1-1,0 0,0 0,0 1,-1-1,1 0,0 0,0 1,0-1,0 0,0 1,0-1,0 1,-4 13,4-13,-2 14</inkml:trace>
+</inkml:ink>
+</file>
+
+<file path=ppt/ink/ink4.xml><?xml version="1.0" encoding="utf-8"?>
+<inkml:ink xmlns:inkml="http://www.w3.org/2003/InkML">
+  <inkml:definitions>
+    <inkml:context xml:id="ctx0">
+      <inkml:inkSource xml:id="inkSrc0">
+        <inkml:traceFormat>
+          <inkml:channel name="X" type="integer" min="-2.14748E9" max="2.14748E9" units="cm"/>
+          <inkml:channel name="Y" type="integer" min="-2.14748E9" max="2.14748E9" units="cm"/>
+        </inkml:traceFormat>
+        <inkml:channelProperties>
+          <inkml:channelProperty channel="X" name="resolution" value="1000" units="1/cm"/>
+          <inkml:channelProperty channel="Y" name="resolution" value="1000" units="1/cm"/>
+        </inkml:channelProperties>
+      </inkml:inkSource>
+      <inkml:timestamp xml:id="ts0" timeString="2020-10-19T00:37:04.937"/>
+    </inkml:context>
+    <inkml:brush xml:id="br0">
+      <inkml:brushProperty name="width" value="0.05" units="cm"/>
+      <inkml:brushProperty name="height" value="0.05" units="cm"/>
+      <inkml:brushProperty name="color" value="#FFFFFF"/>
+      <inkml:brushProperty name="ignorePressure" value="1"/>
+    </inkml:brush>
+  </inkml:definitions>
+  <inkml:trace contextRef="#ctx0" brushRef="#br0">506 553,'-2'4,"1"0,0 0,-1 0,1 0,-1 0,-1 0,1 0,0-1,-1 1,1-1,-1 0,0 1,-6 3,-7 10,13-13,-1-1,1 1,-1-1,0 0,0-1,0 1,-1-1,1 0,-1 0,1 0,-1 0,1-1,-1 0,0 0,0 0,0-1,0 1,1-1,-1 0,0-1,0 1,0-1,0 0,0 0,1 0,-1-1,1 0,-1 0,1 0,-1 0,1-1,0 1,0-1,0 0,1-1,-1 1,1-1,-1 1,1-1,1 0,-4-5,-12-42,17 48,1 0,-1 1,1-1,0 0,-1 0,1 1,0-1,1 0,-1 0,0 1,1-1,0 0,0 1,-1-1,1 0,1 1,0-3,-1 4,-1 1,0-1,1 1,-1-1,1 1,-1 0,1-1,-1 1,0-1,1 1,-1 0,1 0,0-1,-1 1,1 0,-1 0,1 0,-1-1,1 1,-1 0,1 0,0 0,-1 0,1 0,-1 0,1 0,0 0,-1 1,1-1,-1 0,1 0,0 1,17 16,7 27,-21-34,-1 0,0 1,0-1,-1 1,-1 0,1 15,-4 71,0-35,2 66,1-156,8-45,2-20,-10 72,2 0,0 1,1-1,1 1,9-24,-13 44,-1-1,0 0,0 1,0-1,0 0,0 1,1-1,-1 0,0 1,1-1,-1 0,0 1,1-1,-1 1,1-1,-1 1,1-1,-1 1,1-1,-1 1,1 0,-1-1,1 1,0 0,-1-1,1 1,0 0,-1 0,1-1,0 1,-1 0,2 0,-1 1,0 0,0 0,0 0,0 0,0 0,0 0,0 0,0 0,0 0,0 0,-1 1,1-1,-1 0,2 3,15 56,-17-56,3 7,-1 0,0 0,-1 0,0 0,-1 1,0-1,0 0,-5 18,5-28,1-1,-1 0,0 1,0-1,0 0,0 0,-1 1,1-1,0 0,0 0,0 1,0-1,0 0,0 0,0 1,0-1,-1 0,1 0,0 1,0-1,0 0,0 0,-1 0,1 1,0-1,0 0,-1 0,1 0,0 0,0 0,-1 1,1-1,0 0,0 0,-1 0,1 0,0 0,-1 0,1 0,-6-12,-3-29,8 34,-6-24,2 0,1 0,2-1,3-60,4 73,2 30,1 30,-6-20,1 85,-3-92,-1 0,-1-1,0 1,-1-1,-6 21,5-25,1 0,-1-1,0 1,-1-1,1 0,-2 0,-10 12,15-19,1-1,-1 1,1-1,-1 0,1 1,-1-1,1 0,-1 1,1-1,-1 0,0 0,1 1,-1-1,0 0,1 0,-1 0,1 0,-1 0,0 0,1 0,-1 0,0 0,1 0,-1 0,0 0,1-1,-1 1,0 0,1 0,-2-1,-12-19,2-28,8 2,-6-45,4 25,4 48,2 23,1 23,1 33,-2-58,0 0,0 1,-1-1,1 1,-1-1,0 0,0 1,0-1,0 0,-1 0,1 0,-5 6,6-9,-1 1,1-1,0 1,-1-1,1 1,-1-1,1 0,-1 1,1-1,-1 0,1 1,-1-1,1 0,-1 0,0 0,1 1,-1-1,1 0,-1 0,0 0,1 0,-1 0,1 0,-1 0,0 0,1 0,-1-1,1 1,-2 0,-12-15,-4-24,13 23,-13-55,18 68,-1-1,1 1,-1-1,1 0,0 1,0-1,1 0,-1 1,1-1,0 0,0 1,0-1,0 1,1 0,-1-1,3-2,-4 6,1 0,-1 0,1 0,-1 1,1-1,-1 0,0 1,1-1,-1 0,0 1,1-1,-1 0,0 1,1-1,-1 1,0-1,0 0,0 1,1-1,-1 1,0-1,0 1,0-1,0 1,0-1,0 1,0-1,0 1,0-1,0 1,0-1,0 1,0 0,3 22,-3 3,0 1,-2-1,0 1,-11 43,12-68,1 1,-1-1,0 0,0 1,0-1,0 0,0 0,-1 0,1 0,0 0,-1 0,-2 2,3-3,0 0,1-1,-1 1,0-1,-1 1,1 0,0-1,0 0,0 1,0-1,0 0,0 0,-1 1,1-1,0 0,0 0,0 0,-3-1,2 0,-1 0,0 0,1 0,-1-1,0 1,1-1,0 1,-1-1,1 0,0 0,0 0,0-1,0 1,0 0,1-1,-1 1,1-1,-3-4,-8-21,-17-54,26 73,1 0,0 0,1-1,0 1,0-1,1 1,0-1,1 0,0 1,2-10,-3 18,0 1,0-1,0 1,0-1,0 1,0-1,0 0,1 1,-1-1,0 1,0 0,1-1,-1 1,0-1,0 1,1-1,-1 1,1 0,-1-1,0 1,1-1,-1 1,1 0,-1 0,1-1,-1 1,1 0,-1 0,1 0,0-1,10 12,4 24,-12-11,-1 0,-1 0,-2 25,1-54,0-1,1 1,0 0,0 0,0-1,1 1,0 0,2-6,-3 9,0 1,0-1,1 1,-1-1,0 1,0-1,1 1,-1 0,1 0,-1 0,1 0,-1 0,1 0,0 0,-1 0,1 1,0-1,0 1,-1-1,1 1,0 0,0-1,0 1,0 0,0 0,0 0,-1 1,1-1,0 0,0 1,0-1,-1 1,1 0,3 1,-1 0,1 1,0 0,-1 0,1 1,-1-1,0 1,0 0,-1 0,1 0,-1 0,0 1,0-1,0 1,3 7,1 5,0 1,9 34,-14-44,0 0,0 1,-1-1,0 1,-1-1,1 1,-2-1,1 1,-3 11,2-16,-1-1,1 0,0 1,-1-1,0 0,0 0,0 0,0 0,0 0,-1-1,1 1,-1 0,1-1,-1 0,0 0,0 0,0 0,-1 0,1-1,0 1,0-1,-1 0,1 0,-6 1,6-1,0 0,0-1,0 1,0-1,-1 0,1 0,0 0,0 0,0 0,-1-1,1 1,0-1,0 0,0 0,0 0,0 0,0-1,1 1,-4-3,4 2,0 0,1 0,-1 0,0 0,1 0,0-1,0 1,0-1,0 1,0 0,0-1,0 0,1 1,-1-1,1 1,0-1,0 0,0 1,0-1,0 0,1 1,-1-1,2-4,0 3,-1 0,1 0,-1 1,1-1,0 1,1-1,-1 1,0 0,1 0,0 0,0 0,0 0,0 0,0 1,7-4,6-3,0 0,23-7,-13 5,-24 10,1 0,-1 0,1 0,-1 0,1 1,-1-1,1 1,0 0,-1 0,1 0,0 0,-1 0,6 1,-8-1,1 0,-1 1,0-1,1 0,-1 0,0 0,1 0,-1 1,0-1,0 0,1 0,-1 1,0-1,0 0,1 1,-1-1,0 0,0 0,0 1,0-1,1 0,-1 1,0-1,0 0,0 1,0-1,0 1,0-1,0 0,0 1,0-1,0 0,0 1,-16 19,7-13,-2 0,1-1,-1 0,0-1,0-1,0 1,-16 3,15-5,-1 1,1 1,0 0,0 0,-20 14,32-19,-1 0,1 0,0 1,-1-1,1 0,0 0,-1 0,1 0,0 1,-1-1,1 0,0 0,0 1,-1-1,1 0,0 0,0 1,0-1,-1 0,1 1,0-1,0 0,0 1,0-1,0 0,-1 1,1-1,0 1,0-1,0 0,0 1,0 0,13-1,19-8,-9-2,1 1,33-7,21-8,-77 24,0 0,0-1,0 1,0 0,0-1,0 1,0 0,0-1,0 1,-1-1,1 0,0 1,0-1,0 0,0 1,-1-1,1 0,0 0,-1 0,2-1,-3 1,1 0,0 1,-1-1,1 1,-1-1,1 0,-1 1,1 0,-1-1,1 1,-1-1,1 1,-1 0,0-1,1 1,-1 0,0-1,1 1,-1 0,0 0,1 0,-2 0,-48-7,10 8,-24-2,63 1,1 0,0 0,-1 0,1 0,0 0,-1 0,1 0,0 0,-1 0,1 0,0 0,-1 0,1 0,0 0,-1-1,1 1,0 0,-1 0,1 0,0 0,0-1,-1 1,1 0,0 0,0-1,-1 1,1 0,0-1,0 1,0 0,0 0,-1-1,1 1,0 0,0-1,0 1,0-1,0 1,0 0,0-1,0 1,0 0,0-1,0 1,0 0,0-1,0 1,0 0,0-1,1 1,-1 0,0-1,0 1,0 0,0 0,1-1,-1 1,0 0,0-1,1 1,-1 0,0 0,1 0,-1-1,0 1,0 0,1 0,21-16,-3 10,1 0,0 1,25-3,-22 5,-1-2,24-7,-46 12,0 0,0-1,0 1,-1 0,1 0,0 0,0 0,0 0,0 0,0 0,0 0,0 0,0 0,0-1,0 1,0 0,0 0,0 0,0 0,0 0,0 0,0 0,0 0,0 0,0-1,0 1,0 0,0 0,0 0,0 0,0 0,0 0,0 0,0 0,1 0,-1-1,0 1,0 0,0 0,0 0,0 0,0 0,0 0,0 0,0 0,0 0,0 0,1 0,-1 0,0 0,0 0,0 0,0 0,0 0,0 0,0 0,0 0,1 0,-1 0,0 0,0 0,0 0,0 0,0 0,0 0,0 0,-11-2,-19 3,21 1,1 0,0 0,-1 1,1 1,0-1,1 1,-1 0,1 1,-1 0,1 0,1 0,-1 1,1 0,0 1,-5 6,10-13,1 1,-1-1,1 0,0 1,-1-1,1 1,0-1,-1 0,1 1,0-1,0 1,-1-1,1 1,0-1,0 1,0-1,0 1,0-1,0 1,0-1,-1 1,1-1,1 1,-1-1,0 1,0-1,0 1,0-1,0 1,0-1,1 1,-1-1,0 1,0-1,1 1,-1-1,0 0,1 1,-1-1,0 1,1-1,-1 0,0 1,1-1,-1 0,1 0,-1 1,1-1,-1 0,1 0,-1 0,1 1,-1-1,1 0,2 0,-1 0,0 0,1 0,-1 0,0 0,1-1,-1 1,0-1,1 1,3-3,34-20,0-3,46-39,-71 48,-30 30,-11 20,15-18,0-1,-1 0,-19 16,164-147,-113 99,0 0,38-23,-25 25,-33 16,0 0,1 0,-1 0,0 0,0 0,1 0,-1-1,0 1,0 0,0 0,1 0,-1 0,0 0,0 0,1 0,-1 1,0-1,0 0,1 0,-1 0,0 0,0 0,0 0,1 0,-1 0,0 1,0-1,0 0,1 0,-1 0,0 0,0 1,0-1,0 0,0 0,0 0,1 1,-1-1,0 0,-9 19,-39 45,-80 82,111-132,14-12,0-1,0 1,0 0,1 0,-1 0,1 1,0-1,-1 1,1-1,0 1,1 0,-4 6,5-9,0 0,0 0,0 1,0-1,-1 0,1 0,0 1,0-1,0 0,0 0,1 1,-1-1,0 0,0 0,0 1,0-1,0 0,0 0,0 0,0 1,0-1,1 0,-1 0,0 1,0-1,0 0,0 0,1 0,-1 0,0 1,0-1,1 0,-1 0,0 0,0 0,0 0,1 0,-1 0,1 0,12-3,10-10,-16 6,-1 1,0-1,0-1,0 1,4-9,17-22,-26 37,1 0,-1 0,0 0,0 0,0-1,-1 1,1 0,0-1,0 1,-1-1,1 1,-1 0,1-1,-1-2,0 4,0-1,0 1,0-1,0 1,-1-1,1 1,0-1,0 1,-1-1,1 1,0-1,-1 1,1-1,0 1,-1 0,1-1,-1 1,1 0,0-1,-1 1,1 0,-1-1,1 1,-1 0,1 0,-2-1,-6 0,1 0,-1 0,0 1,-14 0,-12-1,33 0,1 1,-1 0,1-1,-1 1,1-1,-1 1,1-1,-1 1,1-1,0 1,-1-1,1 0,0 1,-1-1,1 1,0-1,0 0,-1 1,1-1,0 0,0 1,0-1,0 0,0 0,0 1,0-1,0 0,1 1,-1-1,0 0,0 1,0-1,1 1,-1-1,0 0,1 1,-1-1,0 1,1-1,-1 1,1-1,-1 1,1-1,0 0,24-26,-22 24,19-17,-2-2,31-40,-40 48,1 1,0 0,1 1,0 0,18-11,22-20,-53 43,0-1,0 1,1 0,-1-1,0 1,0 0,0 0,1-1,-1 1,0 0,1 0,-1 0,0-1,1 1,-1 0,0 0,0 0,1 0,-1 0,1 0,-1 0,0 0,1 0,-1 0,0 0,1 0,-1 0,0 0,1 0,-1 0,0 0,1 0,-1 0,0 0,1 0,-1 1,0-1,1 0,-1 1,5 15,-6 23,-6-6,7-32,0 1,-1-1,1 0,-1 1,0-1,0 1,1-1,-1 0,0 0,0 1,0-1,0 0,0 0,0 0,-1 0,1 0,0 0,-2 0,2-1,1 0,-1 0,0 0,1 0,-1 0,1 0,-1-1,0 1,1 0,-1 0,1-1,-1 1,1 0,-1-1,1 1,-1-1,1 1,-1 0,1-1,-1 1,1-1,0 1,-1-1,1 0,0 1,0-1,-1 1,1-1,0 1,0-1,0 0,0 1,0-1,0 0,0 0,-4-27,4 27,0-17,1 0,1 1,1-1,0 1,1 0,1 0,11-25,-6 14,9-44,-16 58,-1 0,2 0,0 0,0 0,1 1,1 0,9-15,-15 28,-1 1,1-1,0 0,0 1,0-1,1 1,-1-1,0 0,0 1,0-1,0 0,0 1,0-1,0 0,1 1,-1-1,0 0,0 1,0-1,1 0,-1 1,0-1,0 0,1 0,-1 0,0 1,1-1,-1 0,0 0,1 0,-1 1,0-1,1 0,-1 0,0 0,1 0,-1 0,1 0,-1 0,0 0,1 0,-1 0,0 0,1 0,-1 0,1 0,-1 0,0-1,1 1,-1 0,0 0,1 0,-1 0,0-1,0 1,1 0,-1 0,0-1,1 1,-1 0,0-1,0 1,0 0,1-1,-1 1,0 0,0-1,0 1,2 29,-20 43,10-42,-6 39,15-106,-2-1,-2 0,-8-42,3 26,3 34,5 20,0 0,0 0,0-1,0 1,-1 0,1 0,0 0,0 0,0 0,0 0,0 0,0 0,-1 0,1 0,0 0,0-1,0 1,0 0,0 0,-1 0,1 0,0 0,0 0,0 0,0 0,0 0,-1 0,1 0,0 1,0-1,0 0,0 0,-1 0,1 0,0 0,0 0,0 0,0 0,0 0,0 0,0 0,-1 1,1-1,0 0,0 0,0 0,0 0,0 0,0 1,0-1,0 0,0 0,-2 3,1 1,0-1,-1 1,1-1,1 1,-1-1,0 8,-1 25,-8 39,9-65,-1-1,-1 1,0-1,0 0,-1 0,0 0,0 0,-1-1,-7 11,12-19,-1 0,1 1,0-1,0 0,0 0,0 0,0 0,0 0,0 0,0 1,0-1,-1 0,1 0,0 0,0 0,0 0,0 0,0 0,-1 0,1 0,0 0,0 0,0 0,0 1,0-1,-1 0,1 0,0 0,0 0,0 0,0-1,-1 1,1 0,0 0,0 0,0 0,0 0,0 0,-1 0,1 0,0 0,0 0,0 0,0 0,0 0,-1-1,-2-8,1-14,2 23,2-196,1 179,3 29,4 29,1 29,-6-44,-1-1,0 31,-2-27,1 0,6 29,-3-26,2-9,-8-24,1 1,-1 0,0 0,1 0,-1-1,1 1,-1 0,0-1,1 1,-1 0,0-1,1 1,-1-1,0 1,0 0,1-1,-1 1,0-1,0 1,0-1,0 1,1-1,-1 1,0-1,0 1,0-1,7-48,-8-8,-1 41,1 1,1-1,1 0,0 1,1-1,6-22,-3 28,-3 20,-4 19,-47 198,47-214,1-1,0 1,1 22,1-25,-1 0,0 0,-1 0,0 0,0 0,-5 13,5-21,0 0,0 0,-1 0,1 0,-1 0,0 0,1-1,-1 1,0-1,0 1,0-1,0 0,0 1,0-1,0 0,-1 0,1-1,0 1,0 0,-1-1,1 0,0 1,-5-1,-8 1,0-1,-25-2,18 0,15 2,1 0,-1-1,1 0,0 0,-1-1,1 1,0-1,0 0,0-1,0 0,0 0,1 0,0 0,-1-1,1 0,0 0,1-1,-1 1,1-1,0 0,0 0,0 0,1-1,-1 0,2 1,-1-1,0 0,1 0,0 0,1-1,-2-9,-7-26,10 42,-1-1,1 0,0 0,-1 1,1-1,0 0,-1 1,1-1,-1 0,1 1,-1-1,1 1,-1-1,0 1,1-1,-1 1,0-1,1 1,-2-1,1 1,0 1,0-1,1 0,-1 0,0 0,0 1,1-1,-1 1,0-1,1 0,-1 1,0-1,1 1,-1-1,1 1,-1 0,0-1,1 1,0 0,-1-1,1 1,-1 0,1 0,-1 0,-13 25,10-17,-1 0,-1 0,0 0,-9 10,12-16,1-1,-1 1,0-1,-1 0,1 0,0 0,-1 0,1 0,-1-1,1 0,-1 1,0-1,0-1,1 1,-8 0,2 0,0-1,0 0,-1-1,1 0,0 0,0-1,0 0,0-1,0 1,-10-6,15 5,0 1,0-1,0 1,0-1,1 0,-1 0,1-1,0 1,-1-1,2 0,-1 0,0 0,1 0,0 0,0 0,0-1,1 1,-1-1,1 1,0-1,-1-8,1 5,0 0,1 1,0-1,0 0,1 1,0-1,3-12,-3 18,0 0,0 0,0 0,0 0,0 0,1 0,-1 0,0 0,1 1,0-1,-1 1,1-1,0 1,0 0,0-1,0 1,0 0,0 0,0 0,0 1,0-1,0 0,0 1,1 0,-1-1,0 1,0 0,1 0,3 1,-3-1,0 0,0 1,-1 0,1-1,0 1,0 1,0-1,-1 0,1 0,-1 1,1 0,-1-1,0 1,1 0,-1 0,0 0,0 1,0-1,-1 0,1 1,0-1,0 4,5 7,-1 0,0 1,4 17,-5-14,7 24,14 77,-24-107,-1-4,1 0,-1 0,-1 0,0 0,0 8,0-14,0 0,-1 0,1-1,0 1,0 0,0 0,-1-1,1 1,0 0,-1-1,1 1,-1 0,1-1,-1 1,1 0,-1-1,1 1,-1-1,1 1,-1-1,-1 1,1-1,0 1,-1-1,1 0,0 0,-1 0,1 0,0 0,-1-1,1 1,0 0,-1 0,1-1,0 1,0-1,-1 1,1-1,-1-1,-2 0,0-1,0 1,1-1,0 0,-1 0,1 0,0-1,1 1,-1-1,0 0,1 1,-2-6,-21-55,7 18,-43-61,61 106,0 1,-1-1,1 1,0-1,-1 0,1 1,0-1,0 0,0 1,-1-1,1 0,0 0,0 1,0-1,0 0,0 1,0-1,0 0,1 0,-1 1,0-1,0 0,1 1,-1-1,0 0,1 1,-1-1,0 1,1-1,0 0,0 0,0 1,1-1,-1 1,0-1,1 1,-1 0,0 0,1-1,-1 1,0 0,1 0,-1 0,1 1,1-1,45 14,-30-6,-1 1,-1 0,1 1,-2 1,1 1,-1 0,-1 1,-1 0,1 1,16 23,-25-21,-12-10,5-5,1-1,-1 0,1 0,-1 0,0-1,1 1,-1 0,1 0,-1-1,1 1,-1-1,1 1,-1-1,1 0,0 0,-2-1,-7-7,1-1,1 0,0 0,0-1,1 0,1 0,-10-23,-11-16,26 48,-15-26,17 23,13 17,-8-4,0 0,-1 1,1 0,-2 0,1 0,-1 1,-1 0,1-1,-2 1,0 0,2 14,-1-7,-2-16,-1 0,0-1,1 1,-1 0,0 0,0 0,0 0,0 0,1 0,-1 0,-1 0,1 0,0 0,0 0,0 0,0-1,-1 1,1 0,0 0,-1 0,1 0,-1 0,1-1,-1 1,1 0,-2 1,1-2,0 0,0 1,0-1,-1 0,1 0,0 0,0 0,0 0,0 0,-1 0,1 0,0-1,0 1,0 0,0-1,0 1,-2-2,-4-1,0-1,0 0,0-1,-11-9,4-1,0-1,1 0,0-1,2 0,0-1,1 0,1 0,-10-28,9 1,10 43,-1 0,1 0,0-1,0 1,0 0,0-1,0 1,0 0,1 0,-1-1,1 1,0 0,0 0,-1 0,1 0,1 0,1-3,-3 5,0-1,0 1,1 0,-1-1,0 1,1 0,-1 0,1 0,-1-1,0 1,1 0,-1 0,1 0,-1 0,1 0,-1-1,0 1,1 0,-1 0,1 0,-1 0,1 0,-1 1,0-1,1 0,-1 0,1 0,-1 0,0 0,1 1,-1-1,1 0,11 15,5 24,-15-35,9 39,-9-33,0-1,1 1,0-1,1 0,5 11,4 7,-11-21,0 0,1-1,-1 1,1-1,0 0,1 0,0 0,-1 0,1 0,7 5,-25-46,-10-30,17 44,-1 1,-1-1,-22-37,28 60,3 8,1 11,14 45,-11-45,0 0,1 0,12 26,-15-43,0 2,0-1,-1 0,1 0,-1 0,0 1,0-1,0 1,-1-1,1 1,-1-1,-1 9,1-13,0 0,0 0,0 1,0-1,0 0,0 0,0 1,-1-1,1 0,0 0,0 0,0 1,0-1,0 0,-1 0,1 0,0 0,0 0,0 1,-1-1,1 0,0 0,0 0,0 0,-1 0,1 0,0 0,0 0,-1 0,1 0,0 0,0 0,-1 0,1 0,0 0,0 0,-1 0,1 0,0 0,0 0,-1 0,-10-9,-6-15,16 23,-14-23,1-1,1 0,1-1,2 0,0-1,-7-34,17 60,0 0,-1 1,1-1,0 0,0 0,0 0,0 0,0 1,0-1,0 0,0 0,0 0,0 0,0 1,1-1,-1 0,0 0,0 0,1 1,-1-1,1 0,-1 0,1 1,-1-1,1 0,-1 1,1-1,1 0,-1 0,1 0,0 1,-1-1,1 1,0 0,0-1,0 1,-1 0,1 0,0 0,0 0,3 1,1 0,0 1,1-1,-1 1,0 1,-1-1,1 1,6 4,-5 0,0 0,0 1,-1 0,0 1,0 0,-1-1,0 2,0-1,-1 0,-1 1,4 16,4 4,-14-28,-6-6,-8-7,-90-110,99 114,1-1,0-1,1 1,-1-1,2-1,-1 1,1-1,1 0,-5-13,9 22,-1 0,1 1,0-1,0 0,0 1,-1-1,1 0,0 0,0 1,0-1,0 0,0 1,0-1,1 0,-1 1,0-1,0 0,0 1,1-1,-1 0,0 1,1-1,-1 0,0 1,1-1,-1 1,1-1,-1 1,1-1,-1 1,1-1,-1 1,1 0,0-1,-1 1,1 0,0-1,-1 1,1 0,0 0,-1 0,1-1,0 1,-1 0,1 0,0 0,0 0,-1 0,1 0,0 1,-1-1,1 0,0 0,-1 0,1 1,0-1,-1 0,1 1,-1-1,2 1,3 1,0 1,0-1,-1 1,1 0,-1 1,7 5,-2 3,-2-1,1 1,-2 1,0-1,0 1,-1 0,-1 1,0-1,-1 1,2 16,0-7,-5-22,1-1,-1 1,0 0,0 0,0 0,1 0,-1 0,0 0,0 0,0 0,0 0,0 0,-1 0,1 0,0-1,0 1,-1 0,1 0,0 0,-1 0,1 0,-1-1,1 1,-1 0,0 0,1-1,-1 1,0 0,1-1,-1 1,0-1,0 1,1-1,-1 1,0-1,0 1,0-1,0 0,0 0,0 1,1-1,-1 0,0 0,0 0,0 0,0 0,0 0,0 0,0 0,-2-1,0 1,0-1,-1 0,1 0,0 0,0 0,0 0,0 0,0-1,0 0,0 1,0-1,1 0,-5-5,3 2,1-1,1 1,-1-1,1 0,0 0,0 0,0 0,1 0,0-1,0 1,1 0,0-1,0 1,2-12,-2 16,0 0,0 0,1 0,-1 0,0 0,1 0,0 0,-1 0,1 0,0 0,0 1,0-1,0 0,1 0,-1 1,0-1,1 1,-1-1,1 1,-1 0,1 0,0-1,-1 1,1 0,0 0,0 1,0-1,0 0,0 1,0-1,0 1,0-1,0 1,0 0,0 0,0 0,0 0,0 0,0 1,0-1,0 1,0-1,0 1,0 0,0-1,0 1,2 2,3 0,-1 1,0 0,0 1,0-1,10 12,21 14,-35-28,1-1,-1 0,0 0,1 0,-1 0,1-1,-1 1,1-1,-1 1,1-1,-1 0,1 0,0 0,-1 0,1-1,3 0,-6 1,1 0,0 0,-1-1,1 1,0 0,-1 0,1 0,-1-1,1 1,0 0,-1-1,1 1,-1-1,1 1,-1 0,1-1,-1 1,1-1,-1 0,0 1,1-1,-1 1,0-1,1 1,-1-1,0 0,0 1,0-1,1 0,-1-1,0 0,-1 1,1-1,-1 0,1 0,-1 0,1 0,-1 1,0-1,0 0,0 1,-1-2,-33-35,-70-24,163 40,-52 19,-1 0,1 1,-1 0,1 0,0 1,-1 0,1-1,0 2,0-1,0 1,0 0,0 0,0 1,0 0,7 1,7 4,0 1,0 1,19 10,12 4,-48-21,0 0,-1 1,1-1,0 1,0-1,-1 1,1 0,3 4,-5-6,-1 0,0 1,0-1,0 0,0 0,0 0,1 1,-1-1,0 0,0 0,0 1,0-1,0 0,0 0,0 1,0-1,0 0,0 0,0 1,0-1,0 0,0 0,0 1,0-1,0 0,0 0,-1 1,1-1,0 0,0 0,0 0,0 1,0-1,-1 0,1 0,0 0,0 1,-20 5,-4-4,1 0,-1-1,0-1,1-1,-1-1,0-2,-42-10,110 16,-3 8,-33-10,0 1,-1 1,1 0,-1 0,1 0,-1 1,0 0,0 0,0 1,0 0,0 0,-1 1,0-1,6 7,21 23,-27-30,-1 1,0 0,0 0,0 0,-1 0,0 1,0 0,0-1,-1 1,0 1,4 10,-6-16,-1 0,0 0,0 0,1 0,-1 0,0 0,0 0,0 0,0 0,0 0,-1 0,1 0,0 0,0 0,-1 0,1 0,-1 0,1 0,-1 0,1 0,-1 0,1 0,-1 0,0-1,0 1,1 0,-1 0,-1 0,-1 0,0 1,1-1,-1 0,0 0,0 0,0-1,0 1,0-1,-6 1,-4-1,0-1,0 0,-21-5,8 0,16 4,1 1,0-1,0-1,0 1,1-2,-1 1,1-1,0 0,0-1,0 0,0 0,-11-11,19 16,0 0,-1-1,1 1,0 0,-1-1,1 1,0 0,0-1,-1 1,1-1,0 1,0-1,0 1,-1 0,1-1,0 1,0-1,0 1,0-1,0 1,0-1,0 1,0-1,0 1,0-1,0 1,0 0,0-1,1 1,-1-1,0 1,0-1,1 0,16-10,24 1,-5 7,65 3,-92 0,-14-1,0-1,1 1,0-1,-1 0,1 0,0 0,0-1,0 1,0-1,1 0,-1 0,1 0,-1-1,1 1,0-1,1 0,-1 0,-2-4,-111-165,108 156,7 17,1 0,0 0,0-1,0 1,0 0,0 0,0 0,0 0,0 0,0 0,0 0,0-1,0 1,0 0,0 0,0 0,0 0,0 0,0 0,0 0,0-1,0 1,0 0,0 0,0 0,0 0,0 0,0 0,0 0,0-1,0 1,0 0,0 0,1 0,-1 0,0 0,0 0,0 0,0 0,0 0,0 0,0 0,0 0,1-1,-1 1,0 0,0 0,0 0,0 0,0 0,0 0,0 0,1 0,-1 0,0 0,2 2,0-1,0 0,-1 0,1 1,0-1,-1 1,1 0,-1-1,1 1,-1 0,0 0,1 3,17 25,29 34,-13-17,-14-17,2-2,34 34,-68-72,-2 1,-19-12,20 15,1-1,1 0,-1-1,1 0,1 0,-1-1,-12-17,18 21,0 0,0 0,-1 1,0-1,0 1,0 0,0 0,-1 0,1 1,-1 0,0 0,-8-3,-12-6,26 12,-1 0,1 0,-1 0,0 0,1 0,-1-1,1 1,-1 0,1-1,-1 1,1 0,-1-1,1 1,-1 0,1-1,0 1,-1-1,1 1,0-1,-1 1,1-1,0 1,-1-1,1 1,0-1,0 1,0-1,0 0,0 1,-1-1,1 1,0-1,0 1,0-1,1 0,-1 1,0-1,1 0,-1 0,1 0,0 0,0 0,0 1,-1-1,1 0,0 1,0-1,0 1,0-1,0 1,0-1,1 1,-1 0,1-1,-1 1,0 0,0 0,0 0,-1-1,1 1,0 0,0 0,0 0,0 0,0 1,-1-1,1 0,0 0,0 0,0 1,-1-1,1 0,0 1,0-1,1 1,-2 0,0 0,0 0,1 0,-1 0,0 0,0-1,0 1,0 0,0 0,0 0,-1 0,1 0,0-1,0 1,0 0,-1 0,1 0,-1-1,1 1,0 0,-1 0,1-1,-1 1,0 0,1-1,-1 1,1-1,-2 2,-69 78,115-150,-8 8,-31 56,0 1,0 0,0 0,0 0,12-8,-10 8,0 0,-1-1,0 1,8-10,-3 0,5-6,-25 37,0-2,-2-1,1 0,-23 20,20-21,1 0,0 2,-11 15,23-28,-1 1,1-1,-1 0,0 0,0 0,0 0,0 0,0 0,0 0,0 0,0 0,0-1,0 1,-2 0,3-1,-1 0,1 0,0 0,0 0,-1 0,1 0,0 0,-1 0,1 0,0-1,0 1,-1 0,1 0,0 0,0-1,-1 1,1 0,0 0,0-1,0 1,0 0,-1 0,1-1,0 1,0 0,0-1,0 1,0 0,0 0,0-1,0 1,0 0,0-1,0 1,0-1,-1-2,1 0,0 0,1 0,-1 0,1 0,-1 0,1 0,0 0,0 0,0 0,3-4,36-50,-40 57,0 0,0 0,0 0,0 0,0 0,-1 0,1 0,0 0,0 0,0 0,0 0,0 0,0 0,0 0,0 0,0 0,-1 0,1 0,0 0,0 0,0 0,0 0,0 0,0 0,0 0,0 0,0 0,0 0,-1 0,1 0,0 0,0 0,0 0,0 0,0-1,0 1,0 0,0 0,0 0,0 0,0 0,0 0,0 0,0 0,0 0,0 0,0-1,0 1,0 0,0 0,0 0,0 0,0 0,0 0,0 0,0 0,0 0,0-1,0 1,0 0,0 0,0 0,0 0,-13 6,-14 12,-12 16,24-20,0 0,-1-2,0 0,-24 13,20-16,33-19,18-15,-14 6,1 1,1 1,0 1,31-21,-49 37,-1-1,1 1,-1-1,1 1,0 0,-1-1,1 1,-1 0,1-1,0 1,-1 0,1 0,0-1,0 1,-1 0,1 0,0 0,-1 0,1 0,0 0,0 0,0 1,-1 12,-19 28,15-34,-20 40,-36 51,51-81,23-27,8-9,-6 10,0 0,0 0,1 2,0 0,22-6,-38 13,0-1,-1 1,1 0,0-1,-1 1,1 0,0 0,0-1,-1 1,1 0,0 0,0 0,-1 0,1 0,0 0,0 0,0 0,-1 1,1-1,0 0,-1 0,1 1,0-1,-1 0,1 1,0-1,-1 1,1-1,0 0,-1 1,1 0,-1-1,1 1,-1-1,1 1,-1 0,0-1,1 1,-1 0,0-1,1 1,-1 0,0-1,0 1,0 0,0 0,1-1,-1 1,0 0,0 0,-1 0,1-1,0 1,0 0,0-1,0 1,-1 1,0 3,0-1,-1 1,0-1,1 1,-1-1,-1 1,-4 6,-5 3,8-11,0 1,1 0,0-1,0 1,0 0,1 1,-1-1,1 0,-3 7,5-11,0 1,0-1,0 0,0 1,0-1,0 0,0 0,0 1,0-1,0 0,0 1,0-1,0 0,0 1,0-1,0 0,0 1,0-1,1 0,-1 0,0 1,0-1,0 0,0 0,1 1,-1-1,0 0,0 0,1 1,-1-1,0 0,0 0,1 0,-1 0,1 1,13-2,13-11,3-9,-1 0,46-46,-74 66,-1 1,1-1,0 0,0 0,0 0,0 1,0-1,0 0,0 1,1-1,-1 1,0-1,0 1,0 0,2-1,-1 5,-12 5,-78 66,80-68,5-4,0-1,0 1,0-1,0 0,-1 0,1 0,-5 2,8-4,-1 0,1 0,-1 0,1 0,-1 0,1 1,-1-1,1-1,-1 1,1 0,-1 0,1 0,-1 0,1 0,-1 0,1 0,0-1,-1 1,1 0,-1 0,1-1,-1 1,0-1,-6-19,7 9,0 0,0 0,1 0,1 0,0 1,0-1,1 0,0 1,7-15,11-46,-15 49,-6 21,1 0,-1 0,1 0,-1 0,0-1,0 1,1 0,-1 0,0-1,0 1,0 0,0 0,0-1,-1 1,1-2,-1 2,-1 1,1-1,0 1,0-1,-1 1,1-1,0 1,0 0,-1-1,1 1,-1 0,1 0,0 0,-1 0,1 0,0 0,-1 1,1-1,-2 1,-9 1,21 2,16 8,-24-10,1 0,0 0,-1 0,0 0,0 0,0 1,0-1,0 0,0 1,0-1,-1 1,1-1,-1 1,0-1,0 1,0-1,0 1,0 0,0-1,-1 1,1-1,-1 1,0-1,1 0,-3 4,-3 6,0 0,-1-1,-14 20,4-6,7-9,5-10,1 0,0 1,0-1,-4 13,8-18,0-1,0 0,0 0,0 0,0 0,0 1,-1-1,1 0,0 0,0 0,0 1,0-1,0 0,0 0,0 0,0 1,0-1,0 0,0 0,0 0,0 0,0 1,1-1,-1 0,0 0,0 0,0 1,0-1,0 0,0 0,0 0,0 0,1 0,-1 1,0-1,0 0,0 0,0 0,1 0,-1 0,0 0,0 0,0 0,0 1,1-1,-1 0,0 0,13-4,10-9,118-89,-70 55,-71 47,0 0,0 0,0 0,0 0,-1 0,1 0,0 0,0 0,0 1,0-1,0 0,0 0,0 0,0 0,0 0,0 0,0 0,0 0,0 0,0 0,0 0,0 0,0 1,0-1,0 0,0 0,1 0,-1 0,0 0,0 0,0 0,0 0,0 0,0 0,0 0,0 0,0 0,0 0,0 0,0 0,0 1,0-1,0 0,0 0,1 0,-1 0,0 0,0 0,0 0,0 0,0 0,0 0,0 0,0 0,0 0,0 0,0 0,0 0,1 0,-1 0,0 0,0 0,0-1,0 1,0 0,-4 12,-8 9,5-14,1-1,-1 0,0 0,0-1,0 0,-13 7,12-8,-1 2,1-1,0 1,0 0,-7 8,-7 4,16-19,11-14,0 7,2-1,-1 1,1 0,0 0,1 1,-1 0,2 0,11-7,-20 14,0 0,0 0,0 0,0 0,0 0,0 0,0 0,0 0,0 0,0 0,1 0,-1 0,0 0,0 0,0 0,0 0,0 0,0 0,0 0,0 0,0 0,0 0,1 0,-1 0,0 0,0 0,0 0,0 0,0 0,0 0,0 0,0 0,0 0,0 0,0 0,0 0,0 1,0-1,0 0,1 0,-1 0,0 0,0 0,0 0,0 0,0 0,0 0,0 0,0 1,0-1,0 0,0 0,0 0,0 0,0 0,0 0,0 0,0 0,-1 0,1 0,0 1,0-1,0 0,0 0,0 0,-3 12,-8 11,-14 15,17-28,1 0,1 0,-1 1,2 0,-7 17,11-26,1-1,-1 0,1 1,-1-1,1 0,0 0,0 1,0-1,0 0,0 1,0-1,0 0,0 1,0-1,1 0,-1 1,0-1,1 0,0 2,0-3,-1 1,1-1,0 1,0-1,-1 1,1-1,0 0,0 0,-1 1,1-1,0 0,0 0,0 0,-1 0,1 0,0 0,0 0,0 0,-1 0,1 0,0-1,0 1,0-1,9-2,0-2,-1 1,17-11,-12 7,-14 7,1 1,-1-1,1 1,0 0,0-1,-1 1,1 0,0 0,-1-1,1 1,0 0,0 0,-1 0,1 0,0 0,0 0,-1 0,1 0,0 0,0 1,-1-1,1 0,0 0,-1 1,1-1,0 0,-1 1,1-1,0 1,-1-1,1 1,-1-1,1 1,-1-1,1 1,-1-1,1 1,-1 0,0-1,1 1,-1 0,0-1,0 1,1 0,-1-1,0 1,0 0,0 1,2 50,-1-23,4-18</inkml:trace>
+</inkml:ink>
+</file>
+
 <file path=ppt/notesMasters/notesMaster1.xml><?xml version="1.0" encoding="utf-8"?>
 <p:notesMaster xmlns:a="http://schemas.openxmlformats.org/drawingml/2006/main" xmlns:r="http://schemas.openxmlformats.org/officeDocument/2006/relationships" xmlns:p="http://schemas.openxmlformats.org/presentationml/2006/main">
   <p:cSld>
@@ -213,7 +322,7 @@
             <a:fld id="{51294498-86A4-4FB3-B857-52C76705F4AC}" type="datetimeFigureOut">
               <a:rPr lang="es-CO" smtClean="0"/>
               <a:pPr/>
-              <a:t>17/10/2020</a:t>
+              <a:t>18/10/2020</a:t>
             </a:fld>
             <a:endParaRPr lang="es-CO"/>
           </a:p>
@@ -373,7 +482,7 @@
             <a:fld id="{B7655F34-A085-4D4A-B8B3-9972F9BC6F0A}" type="slidenum">
               <a:rPr lang="es-CO" smtClean="0"/>
               <a:pPr/>
-              <a:t>‹Nº›</a:t>
+              <a:t>‹#›</a:t>
             </a:fld>
             <a:endParaRPr lang="es-CO"/>
           </a:p>
@@ -608,7 +717,7 @@
     </p:spTree>
     <p:extLst>
       <p:ext uri="{BB962C8B-B14F-4D97-AF65-F5344CB8AC3E}">
-        <p14:creationId xmlns:p14="http://schemas.microsoft.com/office/powerpoint/2010/main" val="493724235"/>
+        <p14:creationId xmlns:p14="http://schemas.microsoft.com/office/powerpoint/2010/main" val="1779754913"/>
       </p:ext>
     </p:extLst>
   </p:cSld>
@@ -744,7 +853,7 @@
     </p:spTree>
     <p:extLst>
       <p:ext uri="{BB962C8B-B14F-4D97-AF65-F5344CB8AC3E}">
-        <p14:creationId xmlns:p14="http://schemas.microsoft.com/office/powerpoint/2010/main" val="1779754913"/>
+        <p14:creationId xmlns:p14="http://schemas.microsoft.com/office/powerpoint/2010/main" val="493724235"/>
       </p:ext>
     </p:extLst>
   </p:cSld>
@@ -880,7 +989,7 @@
     </p:spTree>
     <p:extLst>
       <p:ext uri="{BB962C8B-B14F-4D97-AF65-F5344CB8AC3E}">
-        <p14:creationId xmlns:p14="http://schemas.microsoft.com/office/powerpoint/2010/main" val="1819751667"/>
+        <p14:creationId xmlns:p14="http://schemas.microsoft.com/office/powerpoint/2010/main" val="3110502686"/>
       </p:ext>
     </p:extLst>
   </p:cSld>
@@ -1006,6 +1115,142 @@
                 </a:spcAft>
               </a:pPr>
               <a:t>5</a:t>
+            </a:fld>
+            <a:endParaRPr lang="es-CO">
+              <a:cs typeface="Arial" charset="0"/>
+            </a:endParaRPr>
+          </a:p>
+        </p:txBody>
+      </p:sp>
+    </p:spTree>
+    <p:extLst>
+      <p:ext uri="{BB962C8B-B14F-4D97-AF65-F5344CB8AC3E}">
+        <p14:creationId xmlns:p14="http://schemas.microsoft.com/office/powerpoint/2010/main" val="1819751667"/>
+      </p:ext>
+    </p:extLst>
+  </p:cSld>
+  <p:clrMapOvr>
+    <a:masterClrMapping/>
+  </p:clrMapOvr>
+</p:notes>
+</file>
+
+<file path=ppt/notesSlides/notesSlide5.xml><?xml version="1.0" encoding="utf-8"?>
+<p:notes xmlns:a="http://schemas.openxmlformats.org/drawingml/2006/main" xmlns:r="http://schemas.openxmlformats.org/officeDocument/2006/relationships" xmlns:p="http://schemas.openxmlformats.org/presentationml/2006/main">
+  <p:cSld>
+    <p:spTree>
+      <p:nvGrpSpPr>
+        <p:cNvPr id="1" name=""/>
+        <p:cNvGrpSpPr/>
+        <p:nvPr/>
+      </p:nvGrpSpPr>
+      <p:grpSpPr>
+        <a:xfrm>
+          <a:off x="0" y="0"/>
+          <a:ext cx="0" cy="0"/>
+          <a:chOff x="0" y="0"/>
+          <a:chExt cx="0" cy="0"/>
+        </a:xfrm>
+      </p:grpSpPr>
+      <p:sp>
+        <p:nvSpPr>
+          <p:cNvPr id="18433" name="Marcador de imagen de diapositiva 1"/>
+          <p:cNvSpPr>
+            <a:spLocks noGrp="1" noRot="1" noChangeAspect="1"/>
+          </p:cNvSpPr>
+          <p:nvPr>
+            <p:ph type="sldImg"/>
+          </p:nvPr>
+        </p:nvSpPr>
+        <p:spPr bwMode="auto">
+          <a:noFill/>
+          <a:ln>
+            <a:solidFill>
+              <a:srgbClr val="000000"/>
+            </a:solidFill>
+            <a:miter lim="800000"/>
+            <a:headEnd/>
+            <a:tailEnd/>
+          </a:ln>
+        </p:spPr>
+      </p:sp>
+      <p:sp>
+        <p:nvSpPr>
+          <p:cNvPr id="18434" name="Marcador de notas 2"/>
+          <p:cNvSpPr>
+            <a:spLocks noGrp="1"/>
+          </p:cNvSpPr>
+          <p:nvPr>
+            <p:ph type="body" idx="1"/>
+          </p:nvPr>
+        </p:nvSpPr>
+        <p:spPr bwMode="auto">
+          <a:noFill/>
+        </p:spPr>
+        <p:txBody>
+          <a:bodyPr wrap="square" numCol="1" anchor="t" anchorCtr="0" compatLnSpc="1">
+            <a:prstTxWarp prst="textNoShape">
+              <a:avLst/>
+            </a:prstTxWarp>
+          </a:bodyPr>
+          <a:lstStyle/>
+          <a:p>
+            <a:pPr>
+              <a:spcBef>
+                <a:spcPct val="0"/>
+              </a:spcBef>
+            </a:pPr>
+            <a:endParaRPr lang="es-CO" dirty="0"/>
+          </a:p>
+        </p:txBody>
+      </p:sp>
+      <p:sp>
+        <p:nvSpPr>
+          <p:cNvPr id="18435" name="Marcador de número de diapositiva 3"/>
+          <p:cNvSpPr>
+            <a:spLocks noGrp="1"/>
+          </p:cNvSpPr>
+          <p:nvPr>
+            <p:ph type="sldNum" sz="quarter" idx="5"/>
+          </p:nvPr>
+        </p:nvSpPr>
+        <p:spPr bwMode="auto">
+          <a:noFill/>
+          <a:ln>
+            <a:miter lim="800000"/>
+            <a:headEnd/>
+            <a:tailEnd/>
+          </a:ln>
+        </p:spPr>
+        <p:txBody>
+          <a:bodyPr wrap="square" numCol="1" anchorCtr="0" compatLnSpc="1">
+            <a:prstTxWarp prst="textNoShape">
+              <a:avLst/>
+            </a:prstTxWarp>
+          </a:bodyPr>
+          <a:lstStyle/>
+          <a:p>
+            <a:pPr fontAlgn="base">
+              <a:spcBef>
+                <a:spcPct val="0"/>
+              </a:spcBef>
+              <a:spcAft>
+                <a:spcPct val="0"/>
+              </a:spcAft>
+            </a:pPr>
+            <a:fld id="{96625341-5988-4AE4-B986-FA1F56FAA9C1}" type="slidenum">
+              <a:rPr lang="es-CO">
+                <a:cs typeface="Arial" charset="0"/>
+              </a:rPr>
+              <a:pPr fontAlgn="base">
+                <a:spcBef>
+                  <a:spcPct val="0"/>
+                </a:spcBef>
+                <a:spcAft>
+                  <a:spcPct val="0"/>
+                </a:spcAft>
+              </a:pPr>
+              <a:t>6</a:t>
             </a:fld>
             <a:endParaRPr lang="es-CO">
               <a:cs typeface="Arial" charset="0"/>
@@ -1208,7 +1453,7 @@
             <a:fld id="{D0C34E27-73A6-4DC7-A6F8-418FCC4E1301}" type="datetimeFigureOut">
               <a:rPr lang="es-CO" smtClean="0"/>
               <a:pPr/>
-              <a:t>17/10/2020</a:t>
+              <a:t>18/10/2020</a:t>
             </a:fld>
             <a:endParaRPr lang="es-CO"/>
           </a:p>
@@ -1251,7 +1496,7 @@
             <a:fld id="{156CC60E-BFE9-4EE1-A0A5-75DCAD48787D}" type="slidenum">
               <a:rPr lang="es-CO" smtClean="0"/>
               <a:pPr/>
-              <a:t>‹Nº›</a:t>
+              <a:t>‹#›</a:t>
             </a:fld>
             <a:endParaRPr lang="es-CO"/>
           </a:p>
@@ -1380,7 +1625,7 @@
             <a:fld id="{D0C34E27-73A6-4DC7-A6F8-418FCC4E1301}" type="datetimeFigureOut">
               <a:rPr lang="es-CO" smtClean="0"/>
               <a:pPr/>
-              <a:t>17/10/2020</a:t>
+              <a:t>18/10/2020</a:t>
             </a:fld>
             <a:endParaRPr lang="es-CO"/>
           </a:p>
@@ -1423,7 +1668,7 @@
             <a:fld id="{156CC60E-BFE9-4EE1-A0A5-75DCAD48787D}" type="slidenum">
               <a:rPr lang="es-CO" smtClean="0"/>
               <a:pPr/>
-              <a:t>‹Nº›</a:t>
+              <a:t>‹#›</a:t>
             </a:fld>
             <a:endParaRPr lang="es-CO"/>
           </a:p>
@@ -1562,7 +1807,7 @@
             <a:fld id="{D0C34E27-73A6-4DC7-A6F8-418FCC4E1301}" type="datetimeFigureOut">
               <a:rPr lang="es-CO" smtClean="0"/>
               <a:pPr/>
-              <a:t>17/10/2020</a:t>
+              <a:t>18/10/2020</a:t>
             </a:fld>
             <a:endParaRPr lang="es-CO"/>
           </a:p>
@@ -1605,7 +1850,7 @@
             <a:fld id="{156CC60E-BFE9-4EE1-A0A5-75DCAD48787D}" type="slidenum">
               <a:rPr lang="es-CO" smtClean="0"/>
               <a:pPr/>
-              <a:t>‹Nº›</a:t>
+              <a:t>‹#›</a:t>
             </a:fld>
             <a:endParaRPr lang="es-CO"/>
           </a:p>
@@ -1734,7 +1979,7 @@
             <a:fld id="{D0C34E27-73A6-4DC7-A6F8-418FCC4E1301}" type="datetimeFigureOut">
               <a:rPr lang="es-CO" smtClean="0"/>
               <a:pPr/>
-              <a:t>17/10/2020</a:t>
+              <a:t>18/10/2020</a:t>
             </a:fld>
             <a:endParaRPr lang="es-CO"/>
           </a:p>
@@ -1777,7 +2022,7 @@
             <a:fld id="{156CC60E-BFE9-4EE1-A0A5-75DCAD48787D}" type="slidenum">
               <a:rPr lang="es-CO" smtClean="0"/>
               <a:pPr/>
-              <a:t>‹Nº›</a:t>
+              <a:t>‹#›</a:t>
             </a:fld>
             <a:endParaRPr lang="es-CO"/>
           </a:p>
@@ -1982,7 +2227,7 @@
             <a:fld id="{D0C34E27-73A6-4DC7-A6F8-418FCC4E1301}" type="datetimeFigureOut">
               <a:rPr lang="es-CO" smtClean="0"/>
               <a:pPr/>
-              <a:t>17/10/2020</a:t>
+              <a:t>18/10/2020</a:t>
             </a:fld>
             <a:endParaRPr lang="es-CO"/>
           </a:p>
@@ -2025,7 +2270,7 @@
             <a:fld id="{156CC60E-BFE9-4EE1-A0A5-75DCAD48787D}" type="slidenum">
               <a:rPr lang="es-CO" smtClean="0"/>
               <a:pPr/>
-              <a:t>‹Nº›</a:t>
+              <a:t>‹#›</a:t>
             </a:fld>
             <a:endParaRPr lang="es-CO"/>
           </a:p>
@@ -2272,7 +2517,7 @@
             <a:fld id="{D0C34E27-73A6-4DC7-A6F8-418FCC4E1301}" type="datetimeFigureOut">
               <a:rPr lang="es-CO" smtClean="0"/>
               <a:pPr/>
-              <a:t>17/10/2020</a:t>
+              <a:t>18/10/2020</a:t>
             </a:fld>
             <a:endParaRPr lang="es-CO"/>
           </a:p>
@@ -2315,7 +2560,7 @@
             <a:fld id="{156CC60E-BFE9-4EE1-A0A5-75DCAD48787D}" type="slidenum">
               <a:rPr lang="es-CO" smtClean="0"/>
               <a:pPr/>
-              <a:t>‹Nº›</a:t>
+              <a:t>‹#›</a:t>
             </a:fld>
             <a:endParaRPr lang="es-CO"/>
           </a:p>
@@ -2696,7 +2941,7 @@
             <a:fld id="{D0C34E27-73A6-4DC7-A6F8-418FCC4E1301}" type="datetimeFigureOut">
               <a:rPr lang="es-CO" smtClean="0"/>
               <a:pPr/>
-              <a:t>17/10/2020</a:t>
+              <a:t>18/10/2020</a:t>
             </a:fld>
             <a:endParaRPr lang="es-CO"/>
           </a:p>
@@ -2739,7 +2984,7 @@
             <a:fld id="{156CC60E-BFE9-4EE1-A0A5-75DCAD48787D}" type="slidenum">
               <a:rPr lang="es-CO" smtClean="0"/>
               <a:pPr/>
-              <a:t>‹Nº›</a:t>
+              <a:t>‹#›</a:t>
             </a:fld>
             <a:endParaRPr lang="es-CO"/>
           </a:p>
@@ -2816,7 +3061,7 @@
             <a:fld id="{D0C34E27-73A6-4DC7-A6F8-418FCC4E1301}" type="datetimeFigureOut">
               <a:rPr lang="es-CO" smtClean="0"/>
               <a:pPr/>
-              <a:t>17/10/2020</a:t>
+              <a:t>18/10/2020</a:t>
             </a:fld>
             <a:endParaRPr lang="es-CO"/>
           </a:p>
@@ -2859,7 +3104,7 @@
             <a:fld id="{156CC60E-BFE9-4EE1-A0A5-75DCAD48787D}" type="slidenum">
               <a:rPr lang="es-CO" smtClean="0"/>
               <a:pPr/>
-              <a:t>‹Nº›</a:t>
+              <a:t>‹#›</a:t>
             </a:fld>
             <a:endParaRPr lang="es-CO"/>
           </a:p>
@@ -2913,7 +3158,7 @@
             <a:fld id="{D0C34E27-73A6-4DC7-A6F8-418FCC4E1301}" type="datetimeFigureOut">
               <a:rPr lang="es-CO" smtClean="0"/>
               <a:pPr/>
-              <a:t>17/10/2020</a:t>
+              <a:t>18/10/2020</a:t>
             </a:fld>
             <a:endParaRPr lang="es-CO"/>
           </a:p>
@@ -2956,7 +3201,7 @@
             <a:fld id="{156CC60E-BFE9-4EE1-A0A5-75DCAD48787D}" type="slidenum">
               <a:rPr lang="es-CO" smtClean="0"/>
               <a:pPr/>
-              <a:t>‹Nº›</a:t>
+              <a:t>‹#›</a:t>
             </a:fld>
             <a:endParaRPr lang="es-CO"/>
           </a:p>
@@ -3192,7 +3437,7 @@
             <a:fld id="{D0C34E27-73A6-4DC7-A6F8-418FCC4E1301}" type="datetimeFigureOut">
               <a:rPr lang="es-CO" smtClean="0"/>
               <a:pPr/>
-              <a:t>17/10/2020</a:t>
+              <a:t>18/10/2020</a:t>
             </a:fld>
             <a:endParaRPr lang="es-CO"/>
           </a:p>
@@ -3235,7 +3480,7 @@
             <a:fld id="{156CC60E-BFE9-4EE1-A0A5-75DCAD48787D}" type="slidenum">
               <a:rPr lang="es-CO" smtClean="0"/>
               <a:pPr/>
-              <a:t>‹Nº›</a:t>
+              <a:t>‹#›</a:t>
             </a:fld>
             <a:endParaRPr lang="es-CO"/>
           </a:p>
@@ -3447,7 +3692,7 @@
             <a:fld id="{D0C34E27-73A6-4DC7-A6F8-418FCC4E1301}" type="datetimeFigureOut">
               <a:rPr lang="es-CO" smtClean="0"/>
               <a:pPr/>
-              <a:t>17/10/2020</a:t>
+              <a:t>18/10/2020</a:t>
             </a:fld>
             <a:endParaRPr lang="es-CO"/>
           </a:p>
@@ -3490,7 +3735,7 @@
             <a:fld id="{156CC60E-BFE9-4EE1-A0A5-75DCAD48787D}" type="slidenum">
               <a:rPr lang="es-CO" smtClean="0"/>
               <a:pPr/>
-              <a:t>‹Nº›</a:t>
+              <a:t>‹#›</a:t>
             </a:fld>
             <a:endParaRPr lang="es-CO"/>
           </a:p>
@@ -3662,7 +3907,7 @@
             <a:fld id="{D0C34E27-73A6-4DC7-A6F8-418FCC4E1301}" type="datetimeFigureOut">
               <a:rPr lang="es-CO" smtClean="0"/>
               <a:pPr/>
-              <a:t>17/10/2020</a:t>
+              <a:t>18/10/2020</a:t>
             </a:fld>
             <a:endParaRPr lang="es-CO"/>
           </a:p>
@@ -3741,7 +3986,7 @@
             <a:fld id="{156CC60E-BFE9-4EE1-A0A5-75DCAD48787D}" type="slidenum">
               <a:rPr lang="es-CO" smtClean="0"/>
               <a:pPr/>
-              <a:t>‹Nº›</a:t>
+              <a:t>‹#›</a:t>
             </a:fld>
             <a:endParaRPr lang="es-CO"/>
           </a:p>
@@ -4083,8 +4328,8 @@
         </p:nvSpPr>
         <p:spPr>
           <a:xfrm>
-            <a:off x="500034" y="1244595"/>
-            <a:ext cx="7958166" cy="1470025"/>
+            <a:off x="107504" y="1244595"/>
+            <a:ext cx="8928992" cy="1470025"/>
           </a:xfrm>
         </p:spPr>
         <p:txBody>
@@ -4100,7 +4345,7 @@
                 </a:solidFill>
                 <a:latin typeface="Gandhi Sans" pitchFamily="50" charset="0"/>
               </a:rPr>
-              <a:t>TITULO DEL PROYECTO</a:t>
+              <a:t>Diccionario LSC – Aprende Lenguaje de Señas</a:t>
             </a:r>
             <a:endParaRPr lang="es-CO" sz="2000" dirty="0">
               <a:solidFill>
@@ -4123,8 +4368,8 @@
         </p:nvSpPr>
         <p:spPr>
           <a:xfrm>
-            <a:off x="1371600" y="3071810"/>
-            <a:ext cx="6400800" cy="1038220"/>
+            <a:off x="1371600" y="2420888"/>
+            <a:ext cx="6400800" cy="1689142"/>
           </a:xfrm>
         </p:spPr>
         <p:txBody>
@@ -4134,7 +4379,7 @@
           <a:lstStyle/>
           <a:p>
             <a:r>
-              <a:rPr lang="es-CO" sz="3600" b="1" dirty="0">
+              <a:rPr lang="es-CO" sz="2400" b="1" dirty="0">
                 <a:solidFill>
                   <a:schemeClr val="bg1">
                     <a:lumMod val="75000"/>
@@ -4142,7 +4387,46 @@
                 </a:solidFill>
                 <a:latin typeface="Gandhi Sans" pitchFamily="50" charset="0"/>
               </a:rPr>
-              <a:t>Autores</a:t>
+              <a:t>Autores:</a:t>
+            </a:r>
+          </a:p>
+          <a:p>
+            <a:r>
+              <a:rPr lang="es-CO" sz="2000" b="1" dirty="0">
+                <a:solidFill>
+                  <a:schemeClr val="bg1">
+                    <a:lumMod val="75000"/>
+                  </a:schemeClr>
+                </a:solidFill>
+                <a:latin typeface="Gandhi Sans" pitchFamily="50" charset="0"/>
+              </a:rPr>
+              <a:t>Medina, Gabriel Andrés</a:t>
+            </a:r>
+          </a:p>
+          <a:p>
+            <a:r>
+              <a:rPr lang="es-CO" sz="2000" b="1" dirty="0">
+                <a:solidFill>
+                  <a:schemeClr val="bg1">
+                    <a:lumMod val="75000"/>
+                  </a:schemeClr>
+                </a:solidFill>
+                <a:latin typeface="Gandhi Sans" pitchFamily="50" charset="0"/>
+              </a:rPr>
+              <a:t>Solano, Yirlan Andrey</a:t>
+            </a:r>
+          </a:p>
+          <a:p>
+            <a:r>
+              <a:rPr lang="es-CO" sz="2000" b="1" dirty="0">
+                <a:solidFill>
+                  <a:schemeClr val="bg1">
+                    <a:lumMod val="75000"/>
+                  </a:schemeClr>
+                </a:solidFill>
+                <a:latin typeface="Gandhi Sans" pitchFamily="50" charset="0"/>
+              </a:rPr>
+              <a:t>Urrutia, Juan Pablo</a:t>
             </a:r>
           </a:p>
         </p:txBody>
@@ -4366,7 +4650,7 @@
           <a:lstStyle/>
           <a:p>
             <a:r>
-              <a:rPr lang="es-CO" sz="2200" b="1" dirty="0">
+              <a:rPr lang="es-CO" sz="2800" b="1" dirty="0">
                 <a:latin typeface="Albertus" pitchFamily="34" charset="0"/>
               </a:rPr>
               <a:t>Problema a resolver</a:t>
@@ -4404,10 +4688,497 @@
           </a:prstGeom>
         </p:spPr>
       </p:pic>
+      <mc:AlternateContent xmlns:mc="http://schemas.openxmlformats.org/markup-compatibility/2006">
+        <mc:Choice xmlns:p14="http://schemas.microsoft.com/office/powerpoint/2010/main" Requires="p14">
+          <p:contentPart p14:bwMode="auto" r:id="rId6">
+            <p14:nvContentPartPr>
+              <p14:cNvPr id="3" name="Ink 2">
+                <a:extLst>
+                  <a:ext uri="{FF2B5EF4-FFF2-40B4-BE49-F238E27FC236}">
+                    <a16:creationId xmlns:a16="http://schemas.microsoft.com/office/drawing/2014/main" id="{2B140A8E-1B88-4CAA-8899-05636263AB2A}"/>
+                  </a:ext>
+                </a:extLst>
+              </p14:cNvPr>
+              <p14:cNvContentPartPr/>
+              <p14:nvPr/>
+            </p14:nvContentPartPr>
+            <p14:xfrm>
+              <a:off x="1091286" y="4020997"/>
+              <a:ext cx="888480" cy="640080"/>
+            </p14:xfrm>
+          </p:contentPart>
+        </mc:Choice>
+        <mc:Fallback>
+          <p:pic>
+            <p:nvPicPr>
+              <p:cNvPr id="3" name="Ink 2">
+                <a:extLst>
+                  <a:ext uri="{FF2B5EF4-FFF2-40B4-BE49-F238E27FC236}">
+                    <a16:creationId xmlns:a16="http://schemas.microsoft.com/office/drawing/2014/main" id="{2B140A8E-1B88-4CAA-8899-05636263AB2A}"/>
+                  </a:ext>
+                </a:extLst>
+              </p:cNvPr>
+              <p:cNvPicPr/>
+              <p:nvPr/>
+            </p:nvPicPr>
+            <p:blipFill>
+              <a:blip r:embed="rId7"/>
+              <a:stretch>
+                <a:fillRect/>
+              </a:stretch>
+            </p:blipFill>
+            <p:spPr>
+              <a:xfrm>
+                <a:off x="1082646" y="4012357"/>
+                <a:ext cx="906120" cy="657720"/>
+              </a:xfrm>
+              <a:prstGeom prst="rect">
+                <a:avLst/>
+              </a:prstGeom>
+            </p:spPr>
+          </p:pic>
+        </mc:Fallback>
+      </mc:AlternateContent>
+      <p:grpSp>
+        <p:nvGrpSpPr>
+          <p:cNvPr id="10" name="Group 9">
+            <a:extLst>
+              <a:ext uri="{FF2B5EF4-FFF2-40B4-BE49-F238E27FC236}">
+                <a16:creationId xmlns:a16="http://schemas.microsoft.com/office/drawing/2014/main" id="{DD9D4F8E-D5CF-4971-99E5-44FC494887BB}"/>
+              </a:ext>
+            </a:extLst>
+          </p:cNvPr>
+          <p:cNvGrpSpPr/>
+          <p:nvPr/>
+        </p:nvGrpSpPr>
+        <p:grpSpPr>
+          <a:xfrm>
+            <a:off x="4111173" y="2397301"/>
+            <a:ext cx="4353932" cy="2500410"/>
+            <a:chOff x="3059832" y="2548169"/>
+            <a:chExt cx="5074012" cy="2911243"/>
+          </a:xfrm>
+        </p:grpSpPr>
+        <p:pic>
+          <p:nvPicPr>
+            <p:cNvPr id="2" name="Picture 1">
+              <a:extLst>
+                <a:ext uri="{FF2B5EF4-FFF2-40B4-BE49-F238E27FC236}">
+                  <a16:creationId xmlns:a16="http://schemas.microsoft.com/office/drawing/2014/main" id="{27D72FF3-6A2F-4516-B842-8ED8102534CA}"/>
+                </a:ext>
+              </a:extLst>
+            </p:cNvPr>
+            <p:cNvPicPr>
+              <a:picLocks noChangeAspect="1"/>
+            </p:cNvPicPr>
+            <p:nvPr/>
+          </p:nvPicPr>
+          <p:blipFill>
+            <a:blip r:embed="rId8"/>
+            <a:stretch>
+              <a:fillRect/>
+            </a:stretch>
+          </p:blipFill>
+          <p:spPr>
+            <a:xfrm>
+              <a:off x="3059832" y="2548169"/>
+              <a:ext cx="5074012" cy="2911243"/>
+            </a:xfrm>
+            <a:prstGeom prst="rect">
+              <a:avLst/>
+            </a:prstGeom>
+          </p:spPr>
+        </p:pic>
+        <p:grpSp>
+          <p:nvGrpSpPr>
+            <p:cNvPr id="8" name="Group 7">
+              <a:extLst>
+                <a:ext uri="{FF2B5EF4-FFF2-40B4-BE49-F238E27FC236}">
+                  <a16:creationId xmlns:a16="http://schemas.microsoft.com/office/drawing/2014/main" id="{21F7535D-4639-4C64-8388-40075E43D389}"/>
+                </a:ext>
+              </a:extLst>
+            </p:cNvPr>
+            <p:cNvGrpSpPr/>
+            <p:nvPr/>
+          </p:nvGrpSpPr>
+          <p:grpSpPr>
+            <a:xfrm>
+              <a:off x="4510566" y="3919837"/>
+              <a:ext cx="336960" cy="454680"/>
+              <a:chOff x="4510566" y="3919837"/>
+              <a:chExt cx="336960" cy="454680"/>
+            </a:xfrm>
+          </p:grpSpPr>
+          <mc:AlternateContent xmlns:mc="http://schemas.openxmlformats.org/markup-compatibility/2006">
+            <mc:Choice xmlns:p14="http://schemas.microsoft.com/office/powerpoint/2010/main" Requires="p14">
+              <p:contentPart p14:bwMode="auto" r:id="rId9">
+                <p14:nvContentPartPr>
+                  <p14:cNvPr id="4" name="Ink 3">
+                    <a:extLst>
+                      <a:ext uri="{FF2B5EF4-FFF2-40B4-BE49-F238E27FC236}">
+                        <a16:creationId xmlns:a16="http://schemas.microsoft.com/office/drawing/2014/main" id="{69E0CFED-F154-4C1D-8D5D-2E351D9DAC2D}"/>
+                      </a:ext>
+                    </a:extLst>
+                  </p14:cNvPr>
+                  <p14:cNvContentPartPr/>
+                  <p14:nvPr/>
+                </p14:nvContentPartPr>
+                <p14:xfrm>
+                  <a:off x="4542606" y="3919837"/>
+                  <a:ext cx="304920" cy="428760"/>
+                </p14:xfrm>
+              </p:contentPart>
+            </mc:Choice>
+            <mc:Fallback>
+              <p:pic>
+                <p:nvPicPr>
+                  <p:cNvPr id="4" name="Ink 3">
+                    <a:extLst>
+                      <a:ext uri="{FF2B5EF4-FFF2-40B4-BE49-F238E27FC236}">
+                        <a16:creationId xmlns:a16="http://schemas.microsoft.com/office/drawing/2014/main" id="{69E0CFED-F154-4C1D-8D5D-2E351D9DAC2D}"/>
+                      </a:ext>
+                    </a:extLst>
+                  </p:cNvPr>
+                  <p:cNvPicPr/>
+                  <p:nvPr/>
+                </p:nvPicPr>
+                <p:blipFill>
+                  <a:blip r:embed="rId10"/>
+                  <a:stretch>
+                    <a:fillRect/>
+                  </a:stretch>
+                </p:blipFill>
+                <p:spPr>
+                  <a:xfrm>
+                    <a:off x="4532540" y="3909359"/>
+                    <a:ext cx="325472" cy="449297"/>
+                  </a:xfrm>
+                  <a:prstGeom prst="rect">
+                    <a:avLst/>
+                  </a:prstGeom>
+                </p:spPr>
+              </p:pic>
+            </mc:Fallback>
+          </mc:AlternateContent>
+          <mc:AlternateContent xmlns:mc="http://schemas.openxmlformats.org/markup-compatibility/2006">
+            <mc:Choice xmlns:p14="http://schemas.microsoft.com/office/powerpoint/2010/main" Requires="p14">
+              <p:contentPart p14:bwMode="auto" r:id="rId11">
+                <p14:nvContentPartPr>
+                  <p14:cNvPr id="5" name="Ink 4">
+                    <a:extLst>
+                      <a:ext uri="{FF2B5EF4-FFF2-40B4-BE49-F238E27FC236}">
+                        <a16:creationId xmlns:a16="http://schemas.microsoft.com/office/drawing/2014/main" id="{72C27E43-A7C8-4B5D-80A2-3E10D016664C}"/>
+                      </a:ext>
+                    </a:extLst>
+                  </p14:cNvPr>
+                  <p14:cNvContentPartPr/>
+                  <p14:nvPr/>
+                </p14:nvContentPartPr>
+                <p14:xfrm>
+                  <a:off x="4739166" y="3983917"/>
+                  <a:ext cx="82800" cy="390600"/>
+                </p14:xfrm>
+              </p:contentPart>
+            </mc:Choice>
+            <mc:Fallback>
+              <p:pic>
+                <p:nvPicPr>
+                  <p:cNvPr id="5" name="Ink 4">
+                    <a:extLst>
+                      <a:ext uri="{FF2B5EF4-FFF2-40B4-BE49-F238E27FC236}">
+                        <a16:creationId xmlns:a16="http://schemas.microsoft.com/office/drawing/2014/main" id="{72C27E43-A7C8-4B5D-80A2-3E10D016664C}"/>
+                      </a:ext>
+                    </a:extLst>
+                  </p:cNvPr>
+                  <p:cNvPicPr/>
+                  <p:nvPr/>
+                </p:nvPicPr>
+                <p:blipFill>
+                  <a:blip r:embed="rId12"/>
+                  <a:stretch>
+                    <a:fillRect/>
+                  </a:stretch>
+                </p:blipFill>
+                <p:spPr>
+                  <a:xfrm>
+                    <a:off x="4728711" y="3973440"/>
+                    <a:ext cx="103291" cy="411136"/>
+                  </a:xfrm>
+                  <a:prstGeom prst="rect">
+                    <a:avLst/>
+                  </a:prstGeom>
+                </p:spPr>
+              </p:pic>
+            </mc:Fallback>
+          </mc:AlternateContent>
+          <mc:AlternateContent xmlns:mc="http://schemas.openxmlformats.org/markup-compatibility/2006">
+            <mc:Choice xmlns:p14="http://schemas.microsoft.com/office/powerpoint/2010/main" Requires="p14">
+              <p:contentPart p14:bwMode="auto" r:id="rId13">
+                <p14:nvContentPartPr>
+                  <p14:cNvPr id="7" name="Ink 6">
+                    <a:extLst>
+                      <a:ext uri="{FF2B5EF4-FFF2-40B4-BE49-F238E27FC236}">
+                        <a16:creationId xmlns:a16="http://schemas.microsoft.com/office/drawing/2014/main" id="{B5680F68-6D6F-4003-A253-AB58500D7830}"/>
+                      </a:ext>
+                    </a:extLst>
+                  </p14:cNvPr>
+                  <p14:cNvContentPartPr/>
+                  <p14:nvPr/>
+                </p14:nvContentPartPr>
+                <p14:xfrm>
+                  <a:off x="4510566" y="3940717"/>
+                  <a:ext cx="326520" cy="392400"/>
+                </p14:xfrm>
+              </p:contentPart>
+            </mc:Choice>
+            <mc:Fallback>
+              <p:pic>
+                <p:nvPicPr>
+                  <p:cNvPr id="7" name="Ink 6">
+                    <a:extLst>
+                      <a:ext uri="{FF2B5EF4-FFF2-40B4-BE49-F238E27FC236}">
+                        <a16:creationId xmlns:a16="http://schemas.microsoft.com/office/drawing/2014/main" id="{B5680F68-6D6F-4003-A253-AB58500D7830}"/>
+                      </a:ext>
+                    </a:extLst>
+                  </p:cNvPr>
+                  <p:cNvPicPr/>
+                  <p:nvPr/>
+                </p:nvPicPr>
+                <p:blipFill>
+                  <a:blip r:embed="rId14"/>
+                  <a:stretch>
+                    <a:fillRect/>
+                  </a:stretch>
+                </p:blipFill>
+                <p:spPr>
+                  <a:xfrm>
+                    <a:off x="4500074" y="3930236"/>
+                    <a:ext cx="347085" cy="412942"/>
+                  </a:xfrm>
+                  <a:prstGeom prst="rect">
+                    <a:avLst/>
+                  </a:prstGeom>
+                </p:spPr>
+              </p:pic>
+            </mc:Fallback>
+          </mc:AlternateContent>
+        </p:grpSp>
+      </p:grpSp>
+      <p:sp>
+        <p:nvSpPr>
+          <p:cNvPr id="12" name="TextBox 11">
+            <a:extLst>
+              <a:ext uri="{FF2B5EF4-FFF2-40B4-BE49-F238E27FC236}">
+                <a16:creationId xmlns:a16="http://schemas.microsoft.com/office/drawing/2014/main" id="{BB4634C8-2834-496A-9C7D-24DA33B955A7}"/>
+              </a:ext>
+            </a:extLst>
+          </p:cNvPr>
+          <p:cNvSpPr txBox="1"/>
+          <p:nvPr/>
+        </p:nvSpPr>
+        <p:spPr>
+          <a:xfrm>
+            <a:off x="563386" y="2866386"/>
+            <a:ext cx="3168352" cy="2031325"/>
+          </a:xfrm>
+          <a:prstGeom prst="rect">
+            <a:avLst/>
+          </a:prstGeom>
+          <a:noFill/>
+        </p:spPr>
+        <p:txBody>
+          <a:bodyPr wrap="square" rtlCol="0">
+            <a:spAutoFit/>
+          </a:bodyPr>
+          <a:lstStyle/>
+          <a:p>
+            <a:r>
+              <a:rPr lang="en-US" dirty="0" err="1">
+                <a:latin typeface="Daytona Pro Condensed" panose="020B0506030503040204" pitchFamily="34" charset="0"/>
+              </a:rPr>
+              <a:t>En</a:t>
+            </a:r>
+            <a:r>
+              <a:rPr lang="en-US" dirty="0">
+                <a:latin typeface="Daytona Pro Condensed" panose="020B0506030503040204" pitchFamily="34" charset="0"/>
+              </a:rPr>
+              <a:t> la </a:t>
+            </a:r>
+            <a:r>
+              <a:rPr lang="en-US" dirty="0" err="1">
+                <a:latin typeface="Daytona Pro Condensed" panose="020B0506030503040204" pitchFamily="34" charset="0"/>
+              </a:rPr>
+              <a:t>actualidad</a:t>
+            </a:r>
+            <a:r>
+              <a:rPr lang="en-US" dirty="0">
+                <a:latin typeface="Daytona Pro Condensed" panose="020B0506030503040204" pitchFamily="34" charset="0"/>
+              </a:rPr>
+              <a:t> </a:t>
+            </a:r>
+            <a:r>
+              <a:rPr lang="en-US" dirty="0" err="1">
+                <a:latin typeface="Daytona Pro Condensed" panose="020B0506030503040204" pitchFamily="34" charset="0"/>
+              </a:rPr>
+              <a:t>existe</a:t>
+            </a:r>
+            <a:r>
+              <a:rPr lang="en-US" dirty="0">
+                <a:latin typeface="Daytona Pro Condensed" panose="020B0506030503040204" pitchFamily="34" charset="0"/>
+              </a:rPr>
+              <a:t> un gran </a:t>
+            </a:r>
+            <a:r>
+              <a:rPr lang="en-US" dirty="0" err="1">
+                <a:latin typeface="Daytona Pro Condensed" panose="020B0506030503040204" pitchFamily="34" charset="0"/>
+              </a:rPr>
+              <a:t>desconocimiento</a:t>
+            </a:r>
+            <a:r>
+              <a:rPr lang="en-US" dirty="0">
+                <a:latin typeface="Daytona Pro Condensed" panose="020B0506030503040204" pitchFamily="34" charset="0"/>
+              </a:rPr>
+              <a:t> </a:t>
+            </a:r>
+            <a:r>
+              <a:rPr lang="en-US" dirty="0" err="1">
+                <a:latin typeface="Daytona Pro Condensed" panose="020B0506030503040204" pitchFamily="34" charset="0"/>
+              </a:rPr>
+              <a:t>sobre</a:t>
+            </a:r>
+            <a:r>
+              <a:rPr lang="en-US" dirty="0">
+                <a:latin typeface="Daytona Pro Condensed" panose="020B0506030503040204" pitchFamily="34" charset="0"/>
+              </a:rPr>
+              <a:t> el </a:t>
+            </a:r>
+            <a:r>
+              <a:rPr lang="en-US" dirty="0" err="1">
+                <a:latin typeface="Daytona Pro Condensed" panose="020B0506030503040204" pitchFamily="34" charset="0"/>
+              </a:rPr>
+              <a:t>Lenguaje</a:t>
+            </a:r>
+            <a:r>
+              <a:rPr lang="en-US" dirty="0">
+                <a:latin typeface="Daytona Pro Condensed" panose="020B0506030503040204" pitchFamily="34" charset="0"/>
+              </a:rPr>
+              <a:t> de </a:t>
+            </a:r>
+            <a:r>
+              <a:rPr lang="en-US" dirty="0" err="1">
+                <a:latin typeface="Daytona Pro Condensed" panose="020B0506030503040204" pitchFamily="34" charset="0"/>
+              </a:rPr>
+              <a:t>Señas</a:t>
+            </a:r>
+            <a:r>
+              <a:rPr lang="en-US" dirty="0">
+                <a:latin typeface="Daytona Pro Condensed" panose="020B0506030503040204" pitchFamily="34" charset="0"/>
+              </a:rPr>
+              <a:t> </a:t>
+            </a:r>
+            <a:r>
+              <a:rPr lang="en-US" dirty="0" err="1">
+                <a:latin typeface="Daytona Pro Condensed" panose="020B0506030503040204" pitchFamily="34" charset="0"/>
+              </a:rPr>
+              <a:t>Colombiano</a:t>
+            </a:r>
+            <a:r>
+              <a:rPr lang="en-US" dirty="0">
+                <a:latin typeface="Daytona Pro Condensed" panose="020B0506030503040204" pitchFamily="34" charset="0"/>
+              </a:rPr>
+              <a:t> dentro de la población sin </a:t>
+            </a:r>
+            <a:r>
+              <a:rPr lang="en-US" dirty="0" err="1">
+                <a:latin typeface="Daytona Pro Condensed" panose="020B0506030503040204" pitchFamily="34" charset="0"/>
+              </a:rPr>
+              <a:t>discapacidades</a:t>
+            </a:r>
+            <a:r>
+              <a:rPr lang="en-US" dirty="0">
+                <a:latin typeface="Daytona Pro Condensed" panose="020B0506030503040204" pitchFamily="34" charset="0"/>
+              </a:rPr>
+              <a:t> </a:t>
+            </a:r>
+            <a:r>
+              <a:rPr lang="en-US" dirty="0" err="1">
+                <a:latin typeface="Daytona Pro Condensed" panose="020B0506030503040204" pitchFamily="34" charset="0"/>
+              </a:rPr>
+              <a:t>auditivas</a:t>
+            </a:r>
+            <a:r>
+              <a:rPr lang="en-US" dirty="0">
+                <a:latin typeface="Daytona Pro Condensed" panose="020B0506030503040204" pitchFamily="34" charset="0"/>
+              </a:rPr>
+              <a:t>, </a:t>
+            </a:r>
+            <a:r>
+              <a:rPr lang="en-US" dirty="0" err="1">
+                <a:latin typeface="Daytona Pro Condensed" panose="020B0506030503040204" pitchFamily="34" charset="0"/>
+              </a:rPr>
+              <a:t>así</a:t>
+            </a:r>
+            <a:r>
+              <a:rPr lang="en-US" dirty="0">
+                <a:latin typeface="Daytona Pro Condensed" panose="020B0506030503040204" pitchFamily="34" charset="0"/>
+              </a:rPr>
+              <a:t> </a:t>
+            </a:r>
+            <a:r>
+              <a:rPr lang="en-US" dirty="0" err="1">
+                <a:latin typeface="Daytona Pro Condensed" panose="020B0506030503040204" pitchFamily="34" charset="0"/>
+              </a:rPr>
+              <a:t>como</a:t>
+            </a:r>
+            <a:r>
+              <a:rPr lang="en-US" dirty="0">
+                <a:latin typeface="Daytona Pro Condensed" panose="020B0506030503040204" pitchFamily="34" charset="0"/>
+              </a:rPr>
+              <a:t> </a:t>
+            </a:r>
+            <a:r>
+              <a:rPr lang="en-US" dirty="0" err="1">
+                <a:latin typeface="Daytona Pro Condensed" panose="020B0506030503040204" pitchFamily="34" charset="0"/>
+              </a:rPr>
+              <a:t>también</a:t>
+            </a:r>
+            <a:r>
+              <a:rPr lang="en-US" dirty="0">
+                <a:latin typeface="Daytona Pro Condensed" panose="020B0506030503040204" pitchFamily="34" charset="0"/>
+              </a:rPr>
+              <a:t> entre la </a:t>
+            </a:r>
+            <a:r>
+              <a:rPr lang="en-US" dirty="0" err="1">
+                <a:latin typeface="Daytona Pro Condensed" panose="020B0506030503040204" pitchFamily="34" charset="0"/>
+              </a:rPr>
+              <a:t>misma</a:t>
+            </a:r>
+            <a:r>
+              <a:rPr lang="en-US" dirty="0">
+                <a:latin typeface="Daytona Pro Condensed" panose="020B0506030503040204" pitchFamily="34" charset="0"/>
+              </a:rPr>
+              <a:t> población </a:t>
+            </a:r>
+            <a:r>
+              <a:rPr lang="en-US" dirty="0" err="1">
+                <a:latin typeface="Daytona Pro Condensed" panose="020B0506030503040204" pitchFamily="34" charset="0"/>
+              </a:rPr>
+              <a:t>sorda</a:t>
+            </a:r>
+            <a:r>
+              <a:rPr lang="en-US" dirty="0">
+                <a:latin typeface="Daytona Pro Condensed" panose="020B0506030503040204" pitchFamily="34" charset="0"/>
+              </a:rPr>
+              <a:t>.</a:t>
+            </a:r>
+          </a:p>
+        </p:txBody>
+      </p:sp>
     </p:spTree>
     <p:extLst>
       <p:ext uri="{BB962C8B-B14F-4D97-AF65-F5344CB8AC3E}">
-        <p14:creationId xmlns:p14="http://schemas.microsoft.com/office/powerpoint/2010/main" val="416696622"/>
+        <p14:creationId xmlns:p14="http://schemas.microsoft.com/office/powerpoint/2010/main" val="2913496763"/>
       </p:ext>
     </p:extLst>
   </p:cSld>
@@ -4508,7 +5279,7 @@
         </p:nvSpPr>
         <p:spPr bwMode="auto">
           <a:xfrm>
-            <a:off x="677737" y="1398588"/>
+            <a:off x="453585" y="1646188"/>
             <a:ext cx="8286751" cy="774700"/>
           </a:xfrm>
           <a:prstGeom prst="rect">
@@ -4527,11 +5298,14 @@
           <a:lstStyle/>
           <a:p>
             <a:r>
-              <a:rPr lang="es-CO" sz="2200" b="1" dirty="0">
+              <a:rPr lang="es-CO" sz="2800" b="1" dirty="0">
                 <a:latin typeface="Albertus" pitchFamily="34" charset="0"/>
               </a:rPr>
-              <a:t>Requerimientos funcionales</a:t>
-            </a:r>
+              <a:t>Solución</a:t>
+            </a:r>
+            <a:endParaRPr lang="es-CO" sz="2200" b="1" dirty="0">
+              <a:latin typeface="Albertus" pitchFamily="34" charset="0"/>
+            </a:endParaRPr>
           </a:p>
         </p:txBody>
       </p:sp>
@@ -4565,10 +5339,163 @@
           </a:prstGeom>
         </p:spPr>
       </p:pic>
+      <p:sp>
+        <p:nvSpPr>
+          <p:cNvPr id="2" name="TextBox 1">
+            <a:extLst>
+              <a:ext uri="{FF2B5EF4-FFF2-40B4-BE49-F238E27FC236}">
+                <a16:creationId xmlns:a16="http://schemas.microsoft.com/office/drawing/2014/main" id="{05129E7C-CA1D-4B7A-B2D6-9F01C60BA805}"/>
+              </a:ext>
+            </a:extLst>
+          </p:cNvPr>
+          <p:cNvSpPr txBox="1"/>
+          <p:nvPr/>
+        </p:nvSpPr>
+        <p:spPr>
+          <a:xfrm>
+            <a:off x="827584" y="2636912"/>
+            <a:ext cx="2415802" cy="2312877"/>
+          </a:xfrm>
+          <a:prstGeom prst="rect">
+            <a:avLst/>
+          </a:prstGeom>
+          <a:noFill/>
+        </p:spPr>
+        <p:txBody>
+          <a:bodyPr wrap="square" rtlCol="0">
+            <a:spAutoFit/>
+          </a:bodyPr>
+          <a:lstStyle/>
+          <a:p>
+            <a:pPr algn="ctr">
+              <a:lnSpc>
+                <a:spcPct val="150000"/>
+              </a:lnSpc>
+            </a:pPr>
+            <a:r>
+              <a:rPr lang="en-US" dirty="0">
+                <a:latin typeface="Daytona" panose="020B0604020202020204" pitchFamily="34" charset="0"/>
+              </a:rPr>
+              <a:t>APLICATIVO MOVIL</a:t>
+            </a:r>
+          </a:p>
+          <a:p>
+            <a:pPr marL="285750" indent="-285750">
+              <a:lnSpc>
+                <a:spcPct val="150000"/>
+              </a:lnSpc>
+              <a:buFont typeface="Arial" panose="020B0604020202020204" pitchFamily="34" charset="0"/>
+              <a:buChar char="•"/>
+            </a:pPr>
+            <a:r>
+              <a:rPr lang="en-US" sz="1600" dirty="0" err="1">
+                <a:latin typeface="Daytona Pro Condensed" panose="020B0604020202020204" pitchFamily="34" charset="0"/>
+              </a:rPr>
+              <a:t>Fácil</a:t>
+            </a:r>
+            <a:r>
+              <a:rPr lang="en-US" sz="1600" dirty="0">
+                <a:latin typeface="Daytona Pro Condensed" panose="020B0604020202020204" pitchFamily="34" charset="0"/>
+              </a:rPr>
+              <a:t> de usar</a:t>
+            </a:r>
+          </a:p>
+          <a:p>
+            <a:pPr marL="285750" indent="-285750">
+              <a:lnSpc>
+                <a:spcPct val="150000"/>
+              </a:lnSpc>
+              <a:buFont typeface="Arial" panose="020B0604020202020204" pitchFamily="34" charset="0"/>
+              <a:buChar char="•"/>
+            </a:pPr>
+            <a:r>
+              <a:rPr lang="en-US" sz="1600" dirty="0" err="1">
+                <a:latin typeface="Daytona Pro Condensed" panose="020B0604020202020204" pitchFamily="34" charset="0"/>
+              </a:rPr>
+              <a:t>Intuitiva</a:t>
+            </a:r>
+            <a:endParaRPr lang="en-US" sz="1600" dirty="0">
+              <a:latin typeface="Daytona Pro Condensed" panose="020B0604020202020204" pitchFamily="34" charset="0"/>
+            </a:endParaRPr>
+          </a:p>
+          <a:p>
+            <a:pPr marL="285750" indent="-285750">
+              <a:lnSpc>
+                <a:spcPct val="150000"/>
+              </a:lnSpc>
+              <a:buFont typeface="Arial" panose="020B0604020202020204" pitchFamily="34" charset="0"/>
+              <a:buChar char="•"/>
+            </a:pPr>
+            <a:r>
+              <a:rPr lang="en-US" sz="1600" dirty="0" err="1">
+                <a:latin typeface="Daytona Pro Condensed" panose="020B0604020202020204" pitchFamily="34" charset="0"/>
+              </a:rPr>
+              <a:t>Apta</a:t>
+            </a:r>
+            <a:r>
+              <a:rPr lang="en-US" sz="1600" dirty="0">
+                <a:latin typeface="Daytona Pro Condensed" panose="020B0604020202020204" pitchFamily="34" charset="0"/>
+              </a:rPr>
+              <a:t> para personas con o sin </a:t>
+            </a:r>
+            <a:r>
+              <a:rPr lang="en-US" sz="1600" dirty="0" err="1">
+                <a:latin typeface="Daytona Pro Condensed" panose="020B0604020202020204" pitchFamily="34" charset="0"/>
+              </a:rPr>
+              <a:t>discapacidades</a:t>
+            </a:r>
+            <a:r>
+              <a:rPr lang="en-US" sz="1600" dirty="0">
+                <a:latin typeface="Daytona Pro Condensed" panose="020B0604020202020204" pitchFamily="34" charset="0"/>
+              </a:rPr>
+              <a:t> </a:t>
+            </a:r>
+            <a:r>
+              <a:rPr lang="en-US" sz="1600" dirty="0" err="1">
+                <a:latin typeface="Daytona Pro Condensed" panose="020B0604020202020204" pitchFamily="34" charset="0"/>
+              </a:rPr>
+              <a:t>auditivas</a:t>
+            </a:r>
+            <a:endParaRPr lang="en-US" sz="1600" dirty="0">
+              <a:latin typeface="Daytona Pro Condensed" panose="020B0604020202020204" pitchFamily="34" charset="0"/>
+            </a:endParaRPr>
+          </a:p>
+        </p:txBody>
+      </p:sp>
+      <p:pic>
+        <p:nvPicPr>
+          <p:cNvPr id="3" name="Picture 2">
+            <a:extLst>
+              <a:ext uri="{FF2B5EF4-FFF2-40B4-BE49-F238E27FC236}">
+                <a16:creationId xmlns:a16="http://schemas.microsoft.com/office/drawing/2014/main" id="{641B44C4-EC82-4858-8C73-B2E38AE7DD6B}"/>
+              </a:ext>
+            </a:extLst>
+          </p:cNvPr>
+          <p:cNvPicPr>
+            <a:picLocks noChangeAspect="1"/>
+          </p:cNvPicPr>
+          <p:nvPr/>
+        </p:nvPicPr>
+        <p:blipFill>
+          <a:blip r:embed="rId6"/>
+          <a:stretch>
+            <a:fillRect/>
+          </a:stretch>
+        </p:blipFill>
+        <p:spPr>
+          <a:xfrm>
+            <a:off x="3889497" y="2296037"/>
+            <a:ext cx="4825878" cy="3163375"/>
+          </a:xfrm>
+          <a:prstGeom prst="rect">
+            <a:avLst/>
+          </a:prstGeom>
+        </p:spPr>
+      </p:pic>
     </p:spTree>
     <p:extLst>
       <p:ext uri="{BB962C8B-B14F-4D97-AF65-F5344CB8AC3E}">
-        <p14:creationId xmlns:p14="http://schemas.microsoft.com/office/powerpoint/2010/main" val="2913496763"/>
+        <p14:creationId xmlns:p14="http://schemas.microsoft.com/office/powerpoint/2010/main" val="416696622"/>
       </p:ext>
     </p:extLst>
   </p:cSld>
@@ -4688,18 +5615,11 @@
           <a:lstStyle/>
           <a:p>
             <a:r>
-              <a:rPr lang="es-CO" sz="2200" b="1" dirty="0">
+              <a:rPr lang="es-CO" sz="2800" b="1" dirty="0">
                 <a:latin typeface="Albertus" pitchFamily="34" charset="0"/>
               </a:rPr>
-              <a:t>Uso </a:t>
-            </a:r>
-            <a:r>
-              <a:rPr lang="es-CO" sz="2400" b="1" dirty="0"/>
-              <a:t>de estructuras de datos en la solución del problema a resolver</a:t>
-            </a:r>
-            <a:endParaRPr lang="es-CO" sz="2200" b="1" dirty="0">
-              <a:latin typeface="Albertus" pitchFamily="34" charset="0"/>
-            </a:endParaRPr>
+              <a:t>Requerimientos funcionales</a:t>
+            </a:r>
           </a:p>
         </p:txBody>
       </p:sp>
@@ -4736,6 +5656,276 @@
     </p:spTree>
     <p:extLst>
       <p:ext uri="{BB962C8B-B14F-4D97-AF65-F5344CB8AC3E}">
+        <p14:creationId xmlns:p14="http://schemas.microsoft.com/office/powerpoint/2010/main" val="75800512"/>
+      </p:ext>
+    </p:extLst>
+  </p:cSld>
+  <p:clrMapOvr>
+    <a:masterClrMapping/>
+  </p:clrMapOvr>
+</p:sld>
+</file>
+
+<file path=ppt/slides/slide5.xml><?xml version="1.0" encoding="utf-8"?>
+<p:sld xmlns:a="http://schemas.openxmlformats.org/drawingml/2006/main" xmlns:r="http://schemas.openxmlformats.org/officeDocument/2006/relationships" xmlns:p="http://schemas.openxmlformats.org/presentationml/2006/main">
+  <p:cSld>
+    <p:spTree>
+      <p:nvGrpSpPr>
+        <p:cNvPr id="1" name=""/>
+        <p:cNvGrpSpPr/>
+        <p:nvPr/>
+      </p:nvGrpSpPr>
+      <p:grpSpPr>
+        <a:xfrm>
+          <a:off x="0" y="0"/>
+          <a:ext cx="0" cy="0"/>
+          <a:chOff x="0" y="0"/>
+          <a:chExt cx="0" cy="0"/>
+        </a:xfrm>
+      </p:grpSpPr>
+      <p:pic>
+        <p:nvPicPr>
+          <p:cNvPr id="17410" name="Picture 4"/>
+          <p:cNvPicPr>
+            <a:picLocks noChangeAspect="1" noChangeArrowheads="1"/>
+          </p:cNvPicPr>
+          <p:nvPr/>
+        </p:nvPicPr>
+        <p:blipFill>
+          <a:blip r:embed="rId3" cstate="print"/>
+          <a:srcRect r="2518" b="-18422"/>
+          <a:stretch>
+            <a:fillRect/>
+          </a:stretch>
+        </p:blipFill>
+        <p:spPr bwMode="auto">
+          <a:xfrm>
+            <a:off x="414338" y="1071563"/>
+            <a:ext cx="8301037" cy="214312"/>
+          </a:xfrm>
+          <a:prstGeom prst="rect">
+            <a:avLst/>
+          </a:prstGeom>
+          <a:noFill/>
+          <a:ln w="9525">
+            <a:noFill/>
+            <a:miter lim="800000"/>
+            <a:headEnd/>
+            <a:tailEnd/>
+          </a:ln>
+        </p:spPr>
+      </p:pic>
+      <p:pic>
+        <p:nvPicPr>
+          <p:cNvPr id="17411" name="Picture 5"/>
+          <p:cNvPicPr>
+            <a:picLocks noChangeAspect="1" noChangeArrowheads="1"/>
+          </p:cNvPicPr>
+          <p:nvPr/>
+        </p:nvPicPr>
+        <p:blipFill>
+          <a:blip r:embed="rId4" cstate="print"/>
+          <a:srcRect/>
+          <a:stretch>
+            <a:fillRect/>
+          </a:stretch>
+        </p:blipFill>
+        <p:spPr bwMode="auto">
+          <a:xfrm>
+            <a:off x="409575" y="1357313"/>
+            <a:ext cx="304800" cy="428625"/>
+          </a:xfrm>
+          <a:prstGeom prst="rect">
+            <a:avLst/>
+          </a:prstGeom>
+          <a:noFill/>
+          <a:ln w="9525">
+            <a:noFill/>
+            <a:miter lim="800000"/>
+            <a:headEnd/>
+            <a:tailEnd/>
+          </a:ln>
+        </p:spPr>
+      </p:pic>
+      <p:sp>
+        <p:nvSpPr>
+          <p:cNvPr id="17412" name="Título 1"/>
+          <p:cNvSpPr txBox="1">
+            <a:spLocks/>
+          </p:cNvSpPr>
+          <p:nvPr/>
+        </p:nvSpPr>
+        <p:spPr bwMode="auto">
+          <a:xfrm>
+            <a:off x="677737" y="1398588"/>
+            <a:ext cx="8286751" cy="774700"/>
+          </a:xfrm>
+          <a:prstGeom prst="rect">
+            <a:avLst/>
+          </a:prstGeom>
+          <a:noFill/>
+          <a:ln w="9525">
+            <a:noFill/>
+            <a:miter lim="800000"/>
+            <a:headEnd/>
+            <a:tailEnd/>
+          </a:ln>
+        </p:spPr>
+        <p:txBody>
+          <a:bodyPr anchor="ctr"/>
+          <a:lstStyle/>
+          <a:p>
+            <a:r>
+              <a:rPr lang="es-CO" sz="2200" b="1" dirty="0">
+                <a:latin typeface="Albertus" pitchFamily="34" charset="0"/>
+              </a:rPr>
+              <a:t>Uso </a:t>
+            </a:r>
+            <a:r>
+              <a:rPr lang="es-CO" sz="2400" b="1" dirty="0"/>
+              <a:t>de estructuras de datos en la solución del problema a resolver</a:t>
+            </a:r>
+            <a:endParaRPr lang="es-CO" sz="2200" b="1" dirty="0">
+              <a:latin typeface="Albertus" pitchFamily="34" charset="0"/>
+            </a:endParaRPr>
+          </a:p>
+        </p:txBody>
+      </p:sp>
+      <p:pic>
+        <p:nvPicPr>
+          <p:cNvPr id="9" name="Imagen 8"/>
+          <p:cNvPicPr>
+            <a:picLocks noChangeAspect="1"/>
+          </p:cNvPicPr>
+          <p:nvPr/>
+        </p:nvPicPr>
+        <p:blipFill>
+          <a:blip r:embed="rId5" cstate="print">
+            <a:extLst>
+              <a:ext uri="{28A0092B-C50C-407E-A947-70E740481C1C}">
+                <a14:useLocalDpi xmlns:a14="http://schemas.microsoft.com/office/drawing/2010/main" val="0"/>
+              </a:ext>
+            </a:extLst>
+          </a:blip>
+          <a:stretch>
+            <a:fillRect/>
+          </a:stretch>
+        </p:blipFill>
+        <p:spPr>
+          <a:xfrm>
+            <a:off x="6588224" y="51848"/>
+            <a:ext cx="1907456" cy="844123"/>
+          </a:xfrm>
+          <a:prstGeom prst="rect">
+            <a:avLst/>
+          </a:prstGeom>
+        </p:spPr>
+      </p:pic>
+      <p:pic>
+        <p:nvPicPr>
+          <p:cNvPr id="3" name="Picture 2" descr="A picture containing timeline&#10;&#10;Description automatically generated">
+            <a:extLst>
+              <a:ext uri="{FF2B5EF4-FFF2-40B4-BE49-F238E27FC236}">
+                <a16:creationId xmlns:a16="http://schemas.microsoft.com/office/drawing/2014/main" id="{34E27583-49C8-4EC2-A156-79DF90CA6C98}"/>
+              </a:ext>
+            </a:extLst>
+          </p:cNvPr>
+          <p:cNvPicPr>
+            <a:picLocks noChangeAspect="1"/>
+          </p:cNvPicPr>
+          <p:nvPr/>
+        </p:nvPicPr>
+        <p:blipFill>
+          <a:blip r:embed="rId6">
+            <a:extLst>
+              <a:ext uri="{28A0092B-C50C-407E-A947-70E740481C1C}">
+                <a14:useLocalDpi xmlns:a14="http://schemas.microsoft.com/office/drawing/2010/main" val="0"/>
+              </a:ext>
+            </a:extLst>
+          </a:blip>
+          <a:stretch>
+            <a:fillRect/>
+          </a:stretch>
+        </p:blipFill>
+        <p:spPr>
+          <a:xfrm>
+            <a:off x="3995936" y="2286001"/>
+            <a:ext cx="4499744" cy="3782517"/>
+          </a:xfrm>
+          <a:prstGeom prst="rect">
+            <a:avLst/>
+          </a:prstGeom>
+        </p:spPr>
+      </p:pic>
+      <p:sp>
+        <p:nvSpPr>
+          <p:cNvPr id="5" name="TextBox 4">
+            <a:extLst>
+              <a:ext uri="{FF2B5EF4-FFF2-40B4-BE49-F238E27FC236}">
+                <a16:creationId xmlns:a16="http://schemas.microsoft.com/office/drawing/2014/main" id="{35E8B86F-38CC-4E8F-8324-E9DE4C9B1A68}"/>
+              </a:ext>
+            </a:extLst>
+          </p:cNvPr>
+          <p:cNvSpPr txBox="1"/>
+          <p:nvPr/>
+        </p:nvSpPr>
+        <p:spPr>
+          <a:xfrm>
+            <a:off x="551118" y="2822524"/>
+            <a:ext cx="3240360" cy="1661993"/>
+          </a:xfrm>
+          <a:prstGeom prst="rect">
+            <a:avLst/>
+          </a:prstGeom>
+          <a:noFill/>
+        </p:spPr>
+        <p:txBody>
+          <a:bodyPr wrap="square" rtlCol="0">
+            <a:spAutoFit/>
+          </a:bodyPr>
+          <a:lstStyle/>
+          <a:p>
+            <a:r>
+              <a:rPr lang="es-419" dirty="0">
+                <a:latin typeface="Daytona" panose="020B0604030500040204" pitchFamily="34" charset="0"/>
+              </a:rPr>
+              <a:t>Para la primera entrega, se usaron mayormente:</a:t>
+            </a:r>
+          </a:p>
+          <a:p>
+            <a:endParaRPr lang="es-419" dirty="0">
+              <a:latin typeface="Daytona" panose="020B0604030500040204" pitchFamily="34" charset="0"/>
+            </a:endParaRPr>
+          </a:p>
+          <a:p>
+            <a:pPr marL="285750" indent="-285750">
+              <a:buFont typeface="Arial" panose="020B0604020202020204" pitchFamily="34" charset="0"/>
+              <a:buChar char="•"/>
+            </a:pPr>
+            <a:r>
+              <a:rPr lang="es-419" sz="1600" dirty="0">
+                <a:latin typeface="Daytona Pro Condensed" panose="020B0506030503040204" pitchFamily="34" charset="0"/>
+              </a:rPr>
+              <a:t>Listas simplemente enlazadas</a:t>
+            </a:r>
+          </a:p>
+          <a:p>
+            <a:pPr marL="285750" indent="-285750">
+              <a:buFont typeface="Arial" panose="020B0604020202020204" pitchFamily="34" charset="0"/>
+              <a:buChar char="•"/>
+            </a:pPr>
+            <a:r>
+              <a:rPr lang="es-419" sz="1600" dirty="0">
+                <a:latin typeface="Daytona Pro Condensed" panose="020B0506030503040204" pitchFamily="34" charset="0"/>
+              </a:rPr>
+              <a:t>Listas ordenadas doblemente enlazadas</a:t>
+            </a:r>
+          </a:p>
+        </p:txBody>
+      </p:sp>
+    </p:spTree>
+    <p:extLst>
+      <p:ext uri="{BB962C8B-B14F-4D97-AF65-F5344CB8AC3E}">
         <p14:creationId xmlns:p14="http://schemas.microsoft.com/office/powerpoint/2010/main" val="320786871"/>
       </p:ext>
     </p:extLst>
@@ -4746,7 +5936,7 @@
 </p:sld>
 </file>
 
-<file path=ppt/slides/slide5.xml><?xml version="1.0" encoding="utf-8"?>
+<file path=ppt/slides/slide6.xml><?xml version="1.0" encoding="utf-8"?>
 <p:sld xmlns:a="http://schemas.openxmlformats.org/drawingml/2006/main" xmlns:r="http://schemas.openxmlformats.org/officeDocument/2006/relationships" xmlns:p="http://schemas.openxmlformats.org/presentationml/2006/main">
   <p:cSld>
     <p:spTree>
